--- a/Documentation/Image Encryption.pptx
+++ b/Documentation/Image Encryption.pptx
@@ -5901,7 +5901,7 @@
           <a:p>
             <a:r>
               <a:rPr lang="en-IE" dirty="0"/>
-              <a:t>Prototype shows simple way how to encrypt images ad secure this encryption by password.</a:t>
+              <a:t>Prototype shows simple way how to encrypt images and secure this encryption by password.</a:t>
             </a:r>
           </a:p>
           <a:p>

--- a/Documentation/Image Encryption.pptx
+++ b/Documentation/Image Encryption.pptx
@@ -5,17 +5,14 @@
     <p:sldMasterId id="2147483648" r:id="rId1"/>
   </p:sldMasterIdLst>
   <p:notesMasterIdLst>
-    <p:notesMasterId r:id="rId10"/>
+    <p:notesMasterId r:id="rId7"/>
   </p:notesMasterIdLst>
   <p:sldIdLst>
     <p:sldId id="256" r:id="rId2"/>
-    <p:sldId id="257" r:id="rId3"/>
-    <p:sldId id="259" r:id="rId4"/>
-    <p:sldId id="264" r:id="rId5"/>
-    <p:sldId id="260" r:id="rId6"/>
-    <p:sldId id="262" r:id="rId7"/>
-    <p:sldId id="263" r:id="rId8"/>
-    <p:sldId id="261" r:id="rId9"/>
+    <p:sldId id="264" r:id="rId3"/>
+    <p:sldId id="260" r:id="rId4"/>
+    <p:sldId id="262" r:id="rId5"/>
+    <p:sldId id="265" r:id="rId6"/>
   </p:sldIdLst>
   <p:sldSz cx="9144000" cy="6858000" type="screen4x3"/>
   <p:notesSz cx="6858000" cy="9144000"/>
@@ -150,13 +147,10 @@
         <p14:section name="Default Section" id="{6A048408-674A-494E-B278-8DF5861DB53E}">
           <p14:sldIdLst>
             <p14:sldId id="256"/>
-            <p14:sldId id="257"/>
-            <p14:sldId id="259"/>
             <p14:sldId id="264"/>
             <p14:sldId id="260"/>
             <p14:sldId id="262"/>
-            <p14:sldId id="263"/>
-            <p14:sldId id="261"/>
+            <p14:sldId id="265"/>
           </p14:sldIdLst>
         </p14:section>
       </p14:sectionLst>
@@ -865,333 +859,6 @@
               <a:rPr lang="zh-CN" altLang="en-US"/>
               <a:pPr eaLnBrk="1" hangingPunct="1"/>
               <a:t>1</a:t>
-            </a:fld>
-            <a:endParaRPr lang="zh-CN" altLang="en-US"/>
-          </a:p>
-        </p:txBody>
-      </p:sp>
-    </p:spTree>
-  </p:cSld>
-  <p:clrMapOvr>
-    <a:masterClrMapping/>
-  </p:clrMapOvr>
-</p:notes>
-</file>
-
-<file path=ppt/notesSlides/notesSlide2.xml><?xml version="1.0" encoding="utf-8"?>
-<p:notes xmlns:a="http://schemas.openxmlformats.org/drawingml/2006/main" xmlns:r="http://schemas.openxmlformats.org/officeDocument/2006/relationships" xmlns:p="http://schemas.openxmlformats.org/presentationml/2006/main">
-  <p:cSld>
-    <p:spTree>
-      <p:nvGrpSpPr>
-        <p:cNvPr id="1" name=""/>
-        <p:cNvGrpSpPr/>
-        <p:nvPr/>
-      </p:nvGrpSpPr>
-      <p:grpSpPr>
-        <a:xfrm>
-          <a:off x="0" y="0"/>
-          <a:ext cx="0" cy="0"/>
-          <a:chOff x="0" y="0"/>
-          <a:chExt cx="0" cy="0"/>
-        </a:xfrm>
-      </p:grpSpPr>
-      <p:sp>
-        <p:nvSpPr>
-          <p:cNvPr id="7170" name="Slide Image Placeholder 1">
-            <a:extLst>
-              <a:ext uri="{FF2B5EF4-FFF2-40B4-BE49-F238E27FC236}">
-                <a16:creationId xmlns:a16="http://schemas.microsoft.com/office/drawing/2014/main" id="{06216A2B-F202-4631-9874-E36922394735}"/>
-              </a:ext>
-            </a:extLst>
-          </p:cNvPr>
-          <p:cNvSpPr>
-            <a:spLocks noGrp="1" noRot="1" noChangeAspect="1" noTextEdit="1"/>
-          </p:cNvSpPr>
-          <p:nvPr>
-            <p:ph type="sldImg"/>
-          </p:nvPr>
-        </p:nvSpPr>
-        <p:spPr bwMode="auto">
-          <a:noFill/>
-          <a:ln>
-            <a:solidFill>
-              <a:srgbClr val="000000"/>
-            </a:solidFill>
-            <a:miter lim="800000"/>
-            <a:headEnd/>
-            <a:tailEnd/>
-          </a:ln>
-          <a:extLst>
-            <a:ext uri="{909E8E84-426E-40DD-AFC4-6F175D3DCCD1}">
-              <a14:hiddenFill xmlns:a14="http://schemas.microsoft.com/office/drawing/2010/main">
-                <a:solidFill>
-                  <a:srgbClr val="FFFFFF"/>
-                </a:solidFill>
-              </a14:hiddenFill>
-            </a:ext>
-          </a:extLst>
-        </p:spPr>
-      </p:sp>
-      <p:sp>
-        <p:nvSpPr>
-          <p:cNvPr id="7171" name="Notes Placeholder 2">
-            <a:extLst>
-              <a:ext uri="{FF2B5EF4-FFF2-40B4-BE49-F238E27FC236}">
-                <a16:creationId xmlns:a16="http://schemas.microsoft.com/office/drawing/2014/main" id="{4FC619DB-B039-4233-90CE-F96706BE5B9D}"/>
-              </a:ext>
-            </a:extLst>
-          </p:cNvPr>
-          <p:cNvSpPr>
-            <a:spLocks noGrp="1"/>
-          </p:cNvSpPr>
-          <p:nvPr>
-            <p:ph type="body" idx="1"/>
-          </p:nvPr>
-        </p:nvSpPr>
-        <p:spPr bwMode="auto">
-          <a:noFill/>
-          <a:extLst>
-            <a:ext uri="{909E8E84-426E-40DD-AFC4-6F175D3DCCD1}">
-              <a14:hiddenFill xmlns:a14="http://schemas.microsoft.com/office/drawing/2010/main">
-                <a:solidFill>
-                  <a:srgbClr val="FFFFFF"/>
-                </a:solidFill>
-              </a14:hiddenFill>
-            </a:ext>
-            <a:ext uri="{91240B29-F687-4F45-9708-019B960494DF}">
-              <a14:hiddenLine xmlns:a14="http://schemas.microsoft.com/office/drawing/2010/main" w="9525">
-                <a:solidFill>
-                  <a:srgbClr val="000000"/>
-                </a:solidFill>
-                <a:miter lim="800000"/>
-                <a:headEnd/>
-                <a:tailEnd/>
-              </a14:hiddenLine>
-            </a:ext>
-          </a:extLst>
-        </p:spPr>
-        <p:txBody>
-          <a:bodyPr wrap="square" numCol="1" anchor="t" anchorCtr="0" compatLnSpc="1">
-            <a:prstTxWarp prst="textNoShape">
-              <a:avLst/>
-            </a:prstTxWarp>
-          </a:bodyPr>
-          <a:lstStyle/>
-          <a:p>
-            <a:r>
-              <a:rPr lang="en-IE" sz="1200" dirty="0"/>
-              <a:t>Why protect images by encryption ?</a:t>
-            </a:r>
-            <a:endParaRPr lang="en-IE" sz="1200" i="1" dirty="0"/>
-          </a:p>
-          <a:p>
-            <a:r>
-              <a:rPr lang="en-IE" sz="1200" i="1" dirty="0"/>
-              <a:t>To provide </a:t>
-            </a:r>
-            <a:r>
-              <a:rPr lang="en-IE" sz="1200" i="1" dirty="0">
-                <a:solidFill>
-                  <a:srgbClr val="FF0000"/>
-                </a:solidFill>
-              </a:rPr>
-              <a:t>C</a:t>
-            </a:r>
-            <a:r>
-              <a:rPr lang="en-IE" sz="1200" i="1" dirty="0"/>
-              <a:t>onfidentiality of storing-sending images</a:t>
-            </a:r>
-          </a:p>
-          <a:p>
-            <a:r>
-              <a:rPr lang="en-IE" sz="1200" i="1" dirty="0"/>
-              <a:t>To make sure that </a:t>
-            </a:r>
-            <a:r>
-              <a:rPr lang="en-IE" sz="1200" i="1" dirty="0">
-                <a:solidFill>
-                  <a:srgbClr val="FF0000"/>
-                </a:solidFill>
-              </a:rPr>
-              <a:t>I</a:t>
-            </a:r>
-            <a:r>
-              <a:rPr lang="en-IE" sz="1200" i="1" dirty="0"/>
-              <a:t>ntegrity is easy to verify </a:t>
-            </a:r>
-          </a:p>
-          <a:p>
-            <a:r>
-              <a:rPr lang="en-IE" sz="1200" i="1" dirty="0"/>
-              <a:t>To provide </a:t>
-            </a:r>
-            <a:r>
-              <a:rPr lang="en-IE" sz="1200" i="1" dirty="0">
-                <a:solidFill>
-                  <a:srgbClr val="FF0000"/>
-                </a:solidFill>
-              </a:rPr>
-              <a:t>A</a:t>
-            </a:r>
-            <a:r>
-              <a:rPr lang="en-IE" sz="1200" i="1" dirty="0"/>
-              <a:t>uthentication of images</a:t>
-            </a:r>
-          </a:p>
-          <a:p>
-            <a:pPr eaLnBrk="1" hangingPunct="1">
-              <a:spcBef>
-                <a:spcPct val="0"/>
-              </a:spcBef>
-            </a:pPr>
-            <a:endParaRPr lang="zh-CN" altLang="en-US" dirty="0"/>
-          </a:p>
-        </p:txBody>
-      </p:sp>
-      <p:sp>
-        <p:nvSpPr>
-          <p:cNvPr id="7172" name="Slide Number Placeholder 3">
-            <a:extLst>
-              <a:ext uri="{FF2B5EF4-FFF2-40B4-BE49-F238E27FC236}">
-                <a16:creationId xmlns:a16="http://schemas.microsoft.com/office/drawing/2014/main" id="{10426F2B-657E-4A29-A75E-EA3694328169}"/>
-              </a:ext>
-            </a:extLst>
-          </p:cNvPr>
-          <p:cNvSpPr>
-            <a:spLocks noGrp="1"/>
-          </p:cNvSpPr>
-          <p:nvPr>
-            <p:ph type="sldNum" sz="quarter" idx="5"/>
-          </p:nvPr>
-        </p:nvSpPr>
-        <p:spPr bwMode="auto">
-          <a:noFill/>
-          <a:extLst>
-            <a:ext uri="{909E8E84-426E-40DD-AFC4-6F175D3DCCD1}">
-              <a14:hiddenFill xmlns:a14="http://schemas.microsoft.com/office/drawing/2010/main">
-                <a:solidFill>
-                  <a:srgbClr val="FFFFFF"/>
-                </a:solidFill>
-              </a14:hiddenFill>
-            </a:ext>
-            <a:ext uri="{91240B29-F687-4F45-9708-019B960494DF}">
-              <a14:hiddenLine xmlns:a14="http://schemas.microsoft.com/office/drawing/2010/main" w="9525">
-                <a:solidFill>
-                  <a:srgbClr val="000000"/>
-                </a:solidFill>
-                <a:miter lim="800000"/>
-                <a:headEnd/>
-                <a:tailEnd/>
-              </a14:hiddenLine>
-            </a:ext>
-          </a:extLst>
-        </p:spPr>
-        <p:txBody>
-          <a:bodyPr/>
-          <a:lstStyle>
-            <a:lvl1pPr eaLnBrk="0" hangingPunct="0">
-              <a:defRPr>
-                <a:solidFill>
-                  <a:schemeClr val="tx1"/>
-                </a:solidFill>
-                <a:latin typeface="Arial" panose="020B0604020202020204" pitchFamily="34" charset="0"/>
-              </a:defRPr>
-            </a:lvl1pPr>
-            <a:lvl2pPr marL="742950" indent="-285750" eaLnBrk="0" hangingPunct="0">
-              <a:defRPr>
-                <a:solidFill>
-                  <a:schemeClr val="tx1"/>
-                </a:solidFill>
-                <a:latin typeface="Arial" panose="020B0604020202020204" pitchFamily="34" charset="0"/>
-              </a:defRPr>
-            </a:lvl2pPr>
-            <a:lvl3pPr marL="1143000" indent="-228600" eaLnBrk="0" hangingPunct="0">
-              <a:defRPr>
-                <a:solidFill>
-                  <a:schemeClr val="tx1"/>
-                </a:solidFill>
-                <a:latin typeface="Arial" panose="020B0604020202020204" pitchFamily="34" charset="0"/>
-              </a:defRPr>
-            </a:lvl3pPr>
-            <a:lvl4pPr marL="1600200" indent="-228600" eaLnBrk="0" hangingPunct="0">
-              <a:defRPr>
-                <a:solidFill>
-                  <a:schemeClr val="tx1"/>
-                </a:solidFill>
-                <a:latin typeface="Arial" panose="020B0604020202020204" pitchFamily="34" charset="0"/>
-              </a:defRPr>
-            </a:lvl4pPr>
-            <a:lvl5pPr marL="2057400" indent="-228600" eaLnBrk="0" hangingPunct="0">
-              <a:defRPr>
-                <a:solidFill>
-                  <a:schemeClr val="tx1"/>
-                </a:solidFill>
-                <a:latin typeface="Arial" panose="020B0604020202020204" pitchFamily="34" charset="0"/>
-              </a:defRPr>
-            </a:lvl5pPr>
-            <a:lvl6pPr marL="2514600" indent="-228600" eaLnBrk="0" fontAlgn="base" hangingPunct="0">
-              <a:spcBef>
-                <a:spcPct val="0"/>
-              </a:spcBef>
-              <a:spcAft>
-                <a:spcPct val="0"/>
-              </a:spcAft>
-              <a:defRPr>
-                <a:solidFill>
-                  <a:schemeClr val="tx1"/>
-                </a:solidFill>
-                <a:latin typeface="Arial" panose="020B0604020202020204" pitchFamily="34" charset="0"/>
-              </a:defRPr>
-            </a:lvl6pPr>
-            <a:lvl7pPr marL="2971800" indent="-228600" eaLnBrk="0" fontAlgn="base" hangingPunct="0">
-              <a:spcBef>
-                <a:spcPct val="0"/>
-              </a:spcBef>
-              <a:spcAft>
-                <a:spcPct val="0"/>
-              </a:spcAft>
-              <a:defRPr>
-                <a:solidFill>
-                  <a:schemeClr val="tx1"/>
-                </a:solidFill>
-                <a:latin typeface="Arial" panose="020B0604020202020204" pitchFamily="34" charset="0"/>
-              </a:defRPr>
-            </a:lvl7pPr>
-            <a:lvl8pPr marL="3429000" indent="-228600" eaLnBrk="0" fontAlgn="base" hangingPunct="0">
-              <a:spcBef>
-                <a:spcPct val="0"/>
-              </a:spcBef>
-              <a:spcAft>
-                <a:spcPct val="0"/>
-              </a:spcAft>
-              <a:defRPr>
-                <a:solidFill>
-                  <a:schemeClr val="tx1"/>
-                </a:solidFill>
-                <a:latin typeface="Arial" panose="020B0604020202020204" pitchFamily="34" charset="0"/>
-              </a:defRPr>
-            </a:lvl8pPr>
-            <a:lvl9pPr marL="3886200" indent="-228600" eaLnBrk="0" fontAlgn="base" hangingPunct="0">
-              <a:spcBef>
-                <a:spcPct val="0"/>
-              </a:spcBef>
-              <a:spcAft>
-                <a:spcPct val="0"/>
-              </a:spcAft>
-              <a:defRPr>
-                <a:solidFill>
-                  <a:schemeClr val="tx1"/>
-                </a:solidFill>
-                <a:latin typeface="Arial" panose="020B0604020202020204" pitchFamily="34" charset="0"/>
-              </a:defRPr>
-            </a:lvl9pPr>
-          </a:lstStyle>
-          <a:p>
-            <a:pPr eaLnBrk="1" hangingPunct="1"/>
-            <a:fld id="{5EDFA107-21B0-4E14-93CB-0DBBFD706F19}" type="slidenum">
-              <a:rPr lang="zh-CN" altLang="en-US"/>
-              <a:pPr eaLnBrk="1" hangingPunct="1"/>
-              <a:t>2</a:t>
             </a:fld>
             <a:endParaRPr lang="zh-CN" altLang="en-US"/>
           </a:p>
@@ -4745,18 +4412,18 @@
         </p:nvSpPr>
         <p:spPr>
           <a:xfrm>
-            <a:off x="683568" y="1484784"/>
-            <a:ext cx="7772400" cy="1470025"/>
+            <a:off x="0" y="24695"/>
+            <a:ext cx="9144000" cy="595994"/>
           </a:xfrm>
         </p:spPr>
         <p:txBody>
           <a:bodyPr/>
           <a:lstStyle/>
           <a:p>
-            <a:pPr lvl="0"/>
+            <a:pPr lvl="0" algn="l"/>
             <a:r>
               <a:rPr lang="en-IE" b="1" dirty="0"/>
-              <a:t>Image Encryption</a:t>
+              <a:t>Image Encryption using Java</a:t>
             </a:r>
             <a:r>
               <a:rPr lang="en-IE" dirty="0"/>
@@ -4783,38 +4450,157 @@
         </p:nvSpPr>
         <p:spPr>
           <a:xfrm>
-            <a:off x="6084168" y="5373216"/>
-            <a:ext cx="3059832" cy="1484784"/>
+            <a:off x="5724128" y="6165304"/>
+            <a:ext cx="3419872" cy="692696"/>
           </a:xfrm>
         </p:spPr>
         <p:txBody>
           <a:bodyPr/>
           <a:lstStyle/>
           <a:p>
-            <a:pPr algn="l" eaLnBrk="1" hangingPunct="1"/>
-            <a:r>
-              <a:rPr lang="en-IE" altLang="zh-CN" sz="1800" dirty="0">
-                <a:ea typeface="宋体" panose="02010600030101010101" pitchFamily="2" charset="-122"/>
-              </a:rPr>
-              <a:t>By:</a:t>
-            </a:r>
-          </a:p>
-          <a:p>
-            <a:pPr algn="l" eaLnBrk="1" hangingPunct="1"/>
-            <a:r>
-              <a:rPr lang="en-IE" altLang="zh-CN" sz="1800" dirty="0">
+            <a:pPr algn="r" eaLnBrk="1" hangingPunct="1"/>
+            <a:r>
+              <a:rPr lang="en-IE" altLang="zh-CN" sz="1800" b="1" dirty="0">
                 <a:ea typeface="宋体" panose="02010600030101010101" pitchFamily="2" charset="-122"/>
               </a:rPr>
               <a:t>Krzysztof Pawlik x16138147</a:t>
             </a:r>
           </a:p>
           <a:p>
-            <a:pPr algn="l" eaLnBrk="1" hangingPunct="1"/>
-            <a:r>
-              <a:rPr lang="en-IE" altLang="zh-CN" sz="1800" dirty="0">
+            <a:pPr algn="r" eaLnBrk="1" hangingPunct="1"/>
+            <a:r>
+              <a:rPr lang="en-IE" altLang="zh-CN" sz="1800" b="1" dirty="0">
                 <a:ea typeface="宋体" panose="02010600030101010101" pitchFamily="2" charset="-122"/>
               </a:rPr>
               <a:t>David Harrop x03298051</a:t>
+            </a:r>
+          </a:p>
+        </p:txBody>
+      </p:sp>
+      <p:sp>
+        <p:nvSpPr>
+          <p:cNvPr id="2" name="Rectangle 1">
+            <a:extLst>
+              <a:ext uri="{FF2B5EF4-FFF2-40B4-BE49-F238E27FC236}">
+                <a16:creationId xmlns:a16="http://schemas.microsoft.com/office/drawing/2014/main" id="{EFA60A1C-6F97-4D23-A316-50CE1D0ABA89}"/>
+              </a:ext>
+            </a:extLst>
+          </p:cNvPr>
+          <p:cNvSpPr/>
+          <p:nvPr/>
+        </p:nvSpPr>
+        <p:spPr>
+          <a:xfrm>
+            <a:off x="35556" y="620689"/>
+            <a:ext cx="7704796" cy="369332"/>
+          </a:xfrm>
+          <a:prstGeom prst="rect">
+            <a:avLst/>
+          </a:prstGeom>
+        </p:spPr>
+        <p:txBody>
+          <a:bodyPr wrap="square">
+            <a:spAutoFit/>
+          </a:bodyPr>
+          <a:lstStyle/>
+          <a:p>
+            <a:r>
+              <a:rPr lang="en-GB" dirty="0"/>
+              <a:t>“Develop an application that encrypts the image.” </a:t>
+            </a:r>
+          </a:p>
+        </p:txBody>
+      </p:sp>
+      <p:sp>
+        <p:nvSpPr>
+          <p:cNvPr id="3" name="TextBox 2">
+            <a:extLst>
+              <a:ext uri="{FF2B5EF4-FFF2-40B4-BE49-F238E27FC236}">
+                <a16:creationId xmlns:a16="http://schemas.microsoft.com/office/drawing/2014/main" id="{DDDA8EBB-A4D0-4C79-920E-F4ACF4362E80}"/>
+              </a:ext>
+            </a:extLst>
+          </p:cNvPr>
+          <p:cNvSpPr txBox="1"/>
+          <p:nvPr/>
+        </p:nvSpPr>
+        <p:spPr>
+          <a:xfrm>
+            <a:off x="1619672" y="1556792"/>
+            <a:ext cx="5904656" cy="1785104"/>
+          </a:xfrm>
+          <a:prstGeom prst="rect">
+            <a:avLst/>
+          </a:prstGeom>
+          <a:noFill/>
+        </p:spPr>
+        <p:txBody>
+          <a:bodyPr wrap="square" rtlCol="0">
+            <a:spAutoFit/>
+          </a:bodyPr>
+          <a:lstStyle/>
+          <a:p>
+            <a:pPr marL="285750" indent="-285750">
+              <a:spcAft>
+                <a:spcPts val="600"/>
+              </a:spcAft>
+              <a:buFont typeface="Arial" panose="020B0604020202020204" pitchFamily="34" charset="0"/>
+              <a:buChar char="•"/>
+            </a:pPr>
+            <a:r>
+              <a:rPr lang="en-IE" b="1" dirty="0"/>
+              <a:t>GUI developed in NetBeans</a:t>
+            </a:r>
+          </a:p>
+          <a:p>
+            <a:pPr marL="285750" indent="-285750">
+              <a:spcAft>
+                <a:spcPts val="600"/>
+              </a:spcAft>
+              <a:buFont typeface="Arial" panose="020B0604020202020204" pitchFamily="34" charset="0"/>
+              <a:buChar char="•"/>
+            </a:pPr>
+            <a:r>
+              <a:rPr lang="en-IE" b="1" dirty="0"/>
+              <a:t>Stand-alone Client app - No database</a:t>
+            </a:r>
+          </a:p>
+          <a:p>
+            <a:pPr marL="285750" indent="-285750">
+              <a:spcAft>
+                <a:spcPts val="600"/>
+              </a:spcAft>
+              <a:buFont typeface="Arial" panose="020B0604020202020204" pitchFamily="34" charset="0"/>
+              <a:buChar char="•"/>
+            </a:pPr>
+            <a:r>
+              <a:rPr lang="en-IE" b="1" dirty="0"/>
+              <a:t>SHA-512 hash of user supplied password.</a:t>
+            </a:r>
+          </a:p>
+          <a:p>
+            <a:pPr marL="285750" indent="-285750">
+              <a:spcAft>
+                <a:spcPts val="600"/>
+              </a:spcAft>
+              <a:buFont typeface="Arial" panose="020B0604020202020204" pitchFamily="34" charset="0"/>
+              <a:buChar char="•"/>
+            </a:pPr>
+            <a:r>
+              <a:rPr lang="en-IE" b="1" dirty="0"/>
+              <a:t>Minimum password requirements implemented.</a:t>
+            </a:r>
+          </a:p>
+          <a:p>
+            <a:pPr marL="285750" indent="-285750">
+              <a:spcAft>
+                <a:spcPts val="600"/>
+              </a:spcAft>
+              <a:buFont typeface="Arial" panose="020B0604020202020204" pitchFamily="34" charset="0"/>
+              <a:buChar char="•"/>
+            </a:pPr>
+            <a:r>
+              <a:rPr lang="en-IE" b="1" dirty="0"/>
+              <a:t>Must also decrypt</a:t>
             </a:r>
           </a:p>
         </p:txBody>
@@ -4844,494 +4630,135 @@
           <a:chExt cx="0" cy="0"/>
         </a:xfrm>
       </p:grpSpPr>
-      <p:sp>
-        <p:nvSpPr>
-          <p:cNvPr id="4098" name="Rectangle 2">
-            <a:extLst>
-              <a:ext uri="{FF2B5EF4-FFF2-40B4-BE49-F238E27FC236}">
-                <a16:creationId xmlns:a16="http://schemas.microsoft.com/office/drawing/2014/main" id="{098B3C84-CD4E-4A19-BE8C-60917A9A79D0}"/>
-              </a:ext>
-            </a:extLst>
-          </p:cNvPr>
-          <p:cNvSpPr>
-            <a:spLocks noGrp="1" noChangeArrowheads="1"/>
-          </p:cNvSpPr>
-          <p:nvPr>
-            <p:ph type="title"/>
-          </p:nvPr>
-        </p:nvSpPr>
+      <p:pic>
+        <p:nvPicPr>
+          <p:cNvPr id="11" name="Picture 10">
+            <a:extLst>
+              <a:ext uri="{FF2B5EF4-FFF2-40B4-BE49-F238E27FC236}">
+                <a16:creationId xmlns:a16="http://schemas.microsoft.com/office/drawing/2014/main" id="{20EF0016-4346-492E-A853-00891388BF9B}"/>
+              </a:ext>
+            </a:extLst>
+          </p:cNvPr>
+          <p:cNvPicPr>
+            <a:picLocks noChangeAspect="1"/>
+          </p:cNvPicPr>
+          <p:nvPr/>
+        </p:nvPicPr>
+        <p:blipFill>
+          <a:blip r:embed="rId2">
+            <a:extLst>
+              <a:ext uri="{28A0092B-C50C-407E-A947-70E740481C1C}">
+                <a14:useLocalDpi xmlns:a14="http://schemas.microsoft.com/office/drawing/2010/main" val="0"/>
+              </a:ext>
+            </a:extLst>
+          </a:blip>
+          <a:stretch>
+            <a:fillRect/>
+          </a:stretch>
+        </p:blipFill>
         <p:spPr>
           <a:xfrm>
-            <a:off x="1485900" y="260648"/>
-            <a:ext cx="7391400" cy="1143000"/>
-          </a:xfrm>
-        </p:spPr>
-        <p:txBody>
-          <a:bodyPr/>
-          <a:lstStyle/>
-          <a:p>
-            <a:pPr eaLnBrk="1" hangingPunct="1"/>
-            <a:r>
-              <a:rPr lang="en-IE" altLang="zh-CN" dirty="0">
-                <a:ea typeface="宋体" panose="02010600030101010101" pitchFamily="2" charset="-122"/>
-              </a:rPr>
-              <a:t>What is image encryption ?</a:t>
-            </a:r>
-            <a:endParaRPr lang="zh-CN" altLang="zh-CN" dirty="0">
-              <a:ea typeface="宋体" panose="02010600030101010101" pitchFamily="2" charset="-122"/>
-            </a:endParaRPr>
-          </a:p>
-        </p:txBody>
-      </p:sp>
-      <p:sp>
-        <p:nvSpPr>
-          <p:cNvPr id="4099" name="Rectangle 3">
-            <a:extLst>
-              <a:ext uri="{FF2B5EF4-FFF2-40B4-BE49-F238E27FC236}">
-                <a16:creationId xmlns:a16="http://schemas.microsoft.com/office/drawing/2014/main" id="{8CDDEE2D-E3A4-4C66-A920-325BC6E8D799}"/>
-              </a:ext>
-            </a:extLst>
-          </p:cNvPr>
-          <p:cNvSpPr>
-            <a:spLocks noGrp="1" noChangeArrowheads="1"/>
-          </p:cNvSpPr>
-          <p:nvPr>
-            <p:ph idx="1"/>
-          </p:nvPr>
-        </p:nvSpPr>
-        <p:spPr>
-          <a:xfrm>
-            <a:off x="1259632" y="1132384"/>
-            <a:ext cx="7391400" cy="5104928"/>
-          </a:xfrm>
-        </p:spPr>
-        <p:txBody>
-          <a:bodyPr/>
-          <a:lstStyle/>
-          <a:p>
-            <a:pPr marL="457200" lvl="1" indent="0">
-              <a:buNone/>
-            </a:pPr>
-            <a:endParaRPr lang="en-IE" sz="2400" dirty="0"/>
-          </a:p>
-          <a:p>
-            <a:pPr marL="457200" lvl="1" indent="0">
-              <a:buNone/>
-            </a:pPr>
-            <a:endParaRPr lang="en-IE" sz="2400" dirty="0"/>
-          </a:p>
-          <a:p>
-            <a:pPr marL="457200" lvl="1" indent="0">
-              <a:buNone/>
-            </a:pPr>
-            <a:r>
-              <a:rPr lang="en-IE" sz="2400" dirty="0"/>
-              <a:t>“Visual cryptography is a </a:t>
-            </a:r>
-            <a:r>
-              <a:rPr lang="en-IE" sz="2400" dirty="0">
-                <a:hlinkClick r:id="rId3" tooltip="Cryptography"/>
-              </a:rPr>
-              <a:t>cryptographic</a:t>
-            </a:r>
-            <a:r>
-              <a:rPr lang="en-IE" sz="2400" dirty="0"/>
-              <a:t> technique which allows visual information to be encrypted in such a way that decryption becomes the job of the person to decrypt via sight reading.”</a:t>
-            </a:r>
-          </a:p>
-          <a:p>
-            <a:pPr marL="457200" lvl="1" indent="0">
-              <a:buNone/>
-            </a:pPr>
-            <a:r>
-              <a:rPr lang="en-IE" altLang="zh-CN" sz="2400" dirty="0">
-                <a:ea typeface="宋体" panose="02010600030101010101" pitchFamily="2" charset="-122"/>
-              </a:rPr>
-              <a:t>			        </a:t>
-            </a:r>
-          </a:p>
-          <a:p>
-            <a:pPr marL="457200" lvl="1" indent="0">
-              <a:buNone/>
-            </a:pPr>
-            <a:r>
-              <a:rPr lang="en-IE" altLang="zh-CN" sz="2400" dirty="0">
-                <a:ea typeface="宋体" panose="02010600030101010101" pitchFamily="2" charset="-122"/>
-              </a:rPr>
-              <a:t>     </a:t>
-            </a:r>
-          </a:p>
-          <a:p>
-            <a:pPr marL="457200" lvl="1" indent="0">
-              <a:buNone/>
-            </a:pPr>
-            <a:endParaRPr lang="en-IE" altLang="zh-CN" sz="2400" dirty="0">
-              <a:ea typeface="宋体" panose="02010600030101010101" pitchFamily="2" charset="-122"/>
-            </a:endParaRPr>
-          </a:p>
-          <a:p>
-            <a:pPr marL="457200" lvl="1" indent="0">
-              <a:buNone/>
-            </a:pPr>
-            <a:r>
-              <a:rPr lang="en-IE" altLang="zh-CN" sz="2400" dirty="0">
-                <a:ea typeface="宋体" panose="02010600030101010101" pitchFamily="2" charset="-122"/>
-              </a:rPr>
-              <a:t>                                 </a:t>
-            </a:r>
-          </a:p>
-          <a:p>
-            <a:pPr marL="457200" lvl="1" indent="0">
-              <a:buNone/>
-            </a:pPr>
-            <a:endParaRPr lang="en-IE" altLang="zh-CN" sz="2400" dirty="0">
-              <a:ea typeface="宋体" panose="02010600030101010101" pitchFamily="2" charset="-122"/>
-            </a:endParaRPr>
-          </a:p>
-          <a:p>
-            <a:pPr marL="457200" lvl="1" indent="0">
-              <a:buNone/>
-            </a:pPr>
-            <a:endParaRPr lang="en-IE" altLang="zh-CN" sz="2400" dirty="0">
-              <a:ea typeface="宋体" panose="02010600030101010101" pitchFamily="2" charset="-122"/>
-            </a:endParaRPr>
-          </a:p>
-          <a:p>
-            <a:pPr marL="457200" lvl="1" indent="0">
-              <a:buNone/>
-            </a:pPr>
-            <a:r>
-              <a:rPr lang="en-IE" altLang="zh-CN" sz="2400" dirty="0">
-                <a:ea typeface="宋体" panose="02010600030101010101" pitchFamily="2" charset="-122"/>
-              </a:rPr>
-              <a:t>                                  </a:t>
-            </a:r>
-            <a:r>
-              <a:rPr lang="en-IE" altLang="zh-CN" sz="1400" dirty="0">
-                <a:ea typeface="宋体" panose="02010600030101010101" pitchFamily="2" charset="-122"/>
-              </a:rPr>
-              <a:t>https://en.wikipedia.org/wiki/Visual_cryptography</a:t>
-            </a:r>
-            <a:endParaRPr lang="zh-CN" altLang="zh-CN" sz="1400" dirty="0">
-              <a:ea typeface="宋体" panose="02010600030101010101" pitchFamily="2" charset="-122"/>
-            </a:endParaRPr>
-          </a:p>
-        </p:txBody>
-      </p:sp>
-      <p:sp>
-        <p:nvSpPr>
-          <p:cNvPr id="4100" name="TextBox 5">
-            <a:extLst>
-              <a:ext uri="{FF2B5EF4-FFF2-40B4-BE49-F238E27FC236}">
-                <a16:creationId xmlns:a16="http://schemas.microsoft.com/office/drawing/2014/main" id="{1E3440DE-4F20-46D6-BD89-10F3D8ED1371}"/>
-              </a:ext>
-            </a:extLst>
-          </p:cNvPr>
-          <p:cNvSpPr txBox="1">
-            <a:spLocks noChangeArrowheads="1"/>
-          </p:cNvSpPr>
-          <p:nvPr/>
-        </p:nvSpPr>
-        <p:spPr bwMode="auto">
-          <a:xfrm>
-            <a:off x="5181600" y="5715000"/>
-            <a:ext cx="2857500" cy="369888"/>
+            <a:off x="3203848" y="764704"/>
+            <a:ext cx="2185882" cy="4797723"/>
           </a:xfrm>
           <a:prstGeom prst="rect">
             <a:avLst/>
           </a:prstGeom>
-          <a:noFill/>
           <a:ln>
-            <a:noFill/>
+            <a:solidFill>
+              <a:schemeClr val="tx1"/>
+            </a:solidFill>
           </a:ln>
-          <a:extLst>
-            <a:ext uri="{909E8E84-426E-40DD-AFC4-6F175D3DCCD1}">
-              <a14:hiddenFill xmlns:a14="http://schemas.microsoft.com/office/drawing/2010/main">
-                <a:solidFill>
-                  <a:srgbClr val="FFFFFF"/>
-                </a:solidFill>
-              </a14:hiddenFill>
-            </a:ext>
-            <a:ext uri="{91240B29-F687-4F45-9708-019B960494DF}">
-              <a14:hiddenLine xmlns:a14="http://schemas.microsoft.com/office/drawing/2010/main" w="9525">
-                <a:solidFill>
-                  <a:srgbClr val="000000"/>
-                </a:solidFill>
-                <a:miter lim="800000"/>
-                <a:headEnd/>
-                <a:tailEnd/>
-              </a14:hiddenLine>
-            </a:ext>
-          </a:extLst>
-        </p:spPr>
-        <p:txBody>
-          <a:bodyPr>
-            <a:spAutoFit/>
-          </a:bodyPr>
-          <a:lstStyle>
-            <a:lvl1pPr eaLnBrk="0" hangingPunct="0">
-              <a:defRPr>
-                <a:solidFill>
-                  <a:schemeClr val="tx1"/>
-                </a:solidFill>
-                <a:latin typeface="Arial" panose="020B0604020202020204" pitchFamily="34" charset="0"/>
-              </a:defRPr>
-            </a:lvl1pPr>
-            <a:lvl2pPr marL="742950" indent="-285750" eaLnBrk="0" hangingPunct="0">
-              <a:defRPr>
-                <a:solidFill>
-                  <a:schemeClr val="tx1"/>
-                </a:solidFill>
-                <a:latin typeface="Arial" panose="020B0604020202020204" pitchFamily="34" charset="0"/>
-              </a:defRPr>
-            </a:lvl2pPr>
-            <a:lvl3pPr marL="1143000" indent="-228600" eaLnBrk="0" hangingPunct="0">
-              <a:defRPr>
-                <a:solidFill>
-                  <a:schemeClr val="tx1"/>
-                </a:solidFill>
-                <a:latin typeface="Arial" panose="020B0604020202020204" pitchFamily="34" charset="0"/>
-              </a:defRPr>
-            </a:lvl3pPr>
-            <a:lvl4pPr marL="1600200" indent="-228600" eaLnBrk="0" hangingPunct="0">
-              <a:defRPr>
-                <a:solidFill>
-                  <a:schemeClr val="tx1"/>
-                </a:solidFill>
-                <a:latin typeface="Arial" panose="020B0604020202020204" pitchFamily="34" charset="0"/>
-              </a:defRPr>
-            </a:lvl4pPr>
-            <a:lvl5pPr marL="2057400" indent="-228600" eaLnBrk="0" hangingPunct="0">
-              <a:defRPr>
-                <a:solidFill>
-                  <a:schemeClr val="tx1"/>
-                </a:solidFill>
-                <a:latin typeface="Arial" panose="020B0604020202020204" pitchFamily="34" charset="0"/>
-              </a:defRPr>
-            </a:lvl5pPr>
-            <a:lvl6pPr marL="2514600" indent="-228600" eaLnBrk="0" fontAlgn="base" hangingPunct="0">
-              <a:spcBef>
-                <a:spcPct val="0"/>
-              </a:spcBef>
-              <a:spcAft>
-                <a:spcPct val="0"/>
-              </a:spcAft>
-              <a:defRPr>
-                <a:solidFill>
-                  <a:schemeClr val="tx1"/>
-                </a:solidFill>
-                <a:latin typeface="Arial" panose="020B0604020202020204" pitchFamily="34" charset="0"/>
-              </a:defRPr>
-            </a:lvl6pPr>
-            <a:lvl7pPr marL="2971800" indent="-228600" eaLnBrk="0" fontAlgn="base" hangingPunct="0">
-              <a:spcBef>
-                <a:spcPct val="0"/>
-              </a:spcBef>
-              <a:spcAft>
-                <a:spcPct val="0"/>
-              </a:spcAft>
-              <a:defRPr>
-                <a:solidFill>
-                  <a:schemeClr val="tx1"/>
-                </a:solidFill>
-                <a:latin typeface="Arial" panose="020B0604020202020204" pitchFamily="34" charset="0"/>
-              </a:defRPr>
-            </a:lvl7pPr>
-            <a:lvl8pPr marL="3429000" indent="-228600" eaLnBrk="0" fontAlgn="base" hangingPunct="0">
-              <a:spcBef>
-                <a:spcPct val="0"/>
-              </a:spcBef>
-              <a:spcAft>
-                <a:spcPct val="0"/>
-              </a:spcAft>
-              <a:defRPr>
-                <a:solidFill>
-                  <a:schemeClr val="tx1"/>
-                </a:solidFill>
-                <a:latin typeface="Arial" panose="020B0604020202020204" pitchFamily="34" charset="0"/>
-              </a:defRPr>
-            </a:lvl8pPr>
-            <a:lvl9pPr marL="3886200" indent="-228600" eaLnBrk="0" fontAlgn="base" hangingPunct="0">
-              <a:spcBef>
-                <a:spcPct val="0"/>
-              </a:spcBef>
-              <a:spcAft>
-                <a:spcPct val="0"/>
-              </a:spcAft>
-              <a:defRPr>
-                <a:solidFill>
-                  <a:schemeClr val="tx1"/>
-                </a:solidFill>
-                <a:latin typeface="Arial" panose="020B0604020202020204" pitchFamily="34" charset="0"/>
-              </a:defRPr>
-            </a:lvl9pPr>
-          </a:lstStyle>
-          <a:p>
-            <a:endParaRPr lang="zh-CN" altLang="en-US">
-              <a:ea typeface="宋体" panose="02010600030101010101" pitchFamily="2" charset="-122"/>
-            </a:endParaRPr>
-          </a:p>
-        </p:txBody>
-      </p:sp>
-      <p:sp>
-        <p:nvSpPr>
-          <p:cNvPr id="4101" name="TextBox 6">
-            <a:extLst>
-              <a:ext uri="{FF2B5EF4-FFF2-40B4-BE49-F238E27FC236}">
-                <a16:creationId xmlns:a16="http://schemas.microsoft.com/office/drawing/2014/main" id="{09E2DD1B-E169-4994-BE76-B7376D42A339}"/>
-              </a:ext>
-            </a:extLst>
-          </p:cNvPr>
-          <p:cNvSpPr txBox="1">
-            <a:spLocks noChangeArrowheads="1"/>
-          </p:cNvSpPr>
+        </p:spPr>
+      </p:pic>
+      <p:pic>
+        <p:nvPicPr>
+          <p:cNvPr id="15" name="Picture 14">
+            <a:extLst>
+              <a:ext uri="{FF2B5EF4-FFF2-40B4-BE49-F238E27FC236}">
+                <a16:creationId xmlns:a16="http://schemas.microsoft.com/office/drawing/2014/main" id="{CA544A7C-00E9-4B57-BFC7-1FA251271961}"/>
+              </a:ext>
+            </a:extLst>
+          </p:cNvPr>
+          <p:cNvPicPr>
+            <a:picLocks noChangeAspect="1"/>
+          </p:cNvPicPr>
           <p:nvPr/>
-        </p:nvSpPr>
-        <p:spPr bwMode="auto">
+        </p:nvPicPr>
+        <p:blipFill>
+          <a:blip r:embed="rId3">
+            <a:extLst>
+              <a:ext uri="{28A0092B-C50C-407E-A947-70E740481C1C}">
+                <a14:useLocalDpi xmlns:a14="http://schemas.microsoft.com/office/drawing/2010/main" val="0"/>
+              </a:ext>
+            </a:extLst>
+          </a:blip>
+          <a:stretch>
+            <a:fillRect/>
+          </a:stretch>
+        </p:blipFill>
+        <p:spPr>
           <a:xfrm>
-            <a:off x="2267744" y="4077072"/>
-            <a:ext cx="3962400" cy="369888"/>
+            <a:off x="1251371" y="273224"/>
+            <a:ext cx="2202403" cy="2520281"/>
           </a:xfrm>
           <a:prstGeom prst="rect">
             <a:avLst/>
           </a:prstGeom>
-          <a:noFill/>
           <a:ln>
-            <a:noFill/>
+            <a:solidFill>
+              <a:schemeClr val="tx1"/>
+            </a:solidFill>
           </a:ln>
-          <a:extLst>
-            <a:ext uri="{909E8E84-426E-40DD-AFC4-6F175D3DCCD1}">
-              <a14:hiddenFill xmlns:a14="http://schemas.microsoft.com/office/drawing/2010/main">
-                <a:solidFill>
-                  <a:srgbClr val="FFFFFF"/>
-                </a:solidFill>
-              </a14:hiddenFill>
-            </a:ext>
-            <a:ext uri="{91240B29-F687-4F45-9708-019B960494DF}">
-              <a14:hiddenLine xmlns:a14="http://schemas.microsoft.com/office/drawing/2010/main" w="9525">
-                <a:solidFill>
-                  <a:srgbClr val="000000"/>
-                </a:solidFill>
-                <a:miter lim="800000"/>
-                <a:headEnd/>
-                <a:tailEnd/>
-              </a14:hiddenLine>
-            </a:ext>
-          </a:extLst>
-        </p:spPr>
-        <p:txBody>
-          <a:bodyPr>
-            <a:spAutoFit/>
-          </a:bodyPr>
-          <a:lstStyle>
-            <a:lvl1pPr eaLnBrk="0" hangingPunct="0">
-              <a:defRPr>
-                <a:solidFill>
-                  <a:schemeClr val="tx1"/>
-                </a:solidFill>
-                <a:latin typeface="Arial" panose="020B0604020202020204" pitchFamily="34" charset="0"/>
-              </a:defRPr>
-            </a:lvl1pPr>
-            <a:lvl2pPr marL="742950" indent="-285750" eaLnBrk="0" hangingPunct="0">
-              <a:defRPr>
-                <a:solidFill>
-                  <a:schemeClr val="tx1"/>
-                </a:solidFill>
-                <a:latin typeface="Arial" panose="020B0604020202020204" pitchFamily="34" charset="0"/>
-              </a:defRPr>
-            </a:lvl2pPr>
-            <a:lvl3pPr marL="1143000" indent="-228600" eaLnBrk="0" hangingPunct="0">
-              <a:defRPr>
-                <a:solidFill>
-                  <a:schemeClr val="tx1"/>
-                </a:solidFill>
-                <a:latin typeface="Arial" panose="020B0604020202020204" pitchFamily="34" charset="0"/>
-              </a:defRPr>
-            </a:lvl3pPr>
-            <a:lvl4pPr marL="1600200" indent="-228600" eaLnBrk="0" hangingPunct="0">
-              <a:defRPr>
-                <a:solidFill>
-                  <a:schemeClr val="tx1"/>
-                </a:solidFill>
-                <a:latin typeface="Arial" panose="020B0604020202020204" pitchFamily="34" charset="0"/>
-              </a:defRPr>
-            </a:lvl4pPr>
-            <a:lvl5pPr marL="2057400" indent="-228600" eaLnBrk="0" hangingPunct="0">
-              <a:defRPr>
-                <a:solidFill>
-                  <a:schemeClr val="tx1"/>
-                </a:solidFill>
-                <a:latin typeface="Arial" panose="020B0604020202020204" pitchFamily="34" charset="0"/>
-              </a:defRPr>
-            </a:lvl5pPr>
-            <a:lvl6pPr marL="2514600" indent="-228600" eaLnBrk="0" fontAlgn="base" hangingPunct="0">
-              <a:spcBef>
-                <a:spcPct val="0"/>
-              </a:spcBef>
-              <a:spcAft>
-                <a:spcPct val="0"/>
-              </a:spcAft>
-              <a:defRPr>
-                <a:solidFill>
-                  <a:schemeClr val="tx1"/>
-                </a:solidFill>
-                <a:latin typeface="Arial" panose="020B0604020202020204" pitchFamily="34" charset="0"/>
-              </a:defRPr>
-            </a:lvl6pPr>
-            <a:lvl7pPr marL="2971800" indent="-228600" eaLnBrk="0" fontAlgn="base" hangingPunct="0">
-              <a:spcBef>
-                <a:spcPct val="0"/>
-              </a:spcBef>
-              <a:spcAft>
-                <a:spcPct val="0"/>
-              </a:spcAft>
-              <a:defRPr>
-                <a:solidFill>
-                  <a:schemeClr val="tx1"/>
-                </a:solidFill>
-                <a:latin typeface="Arial" panose="020B0604020202020204" pitchFamily="34" charset="0"/>
-              </a:defRPr>
-            </a:lvl7pPr>
-            <a:lvl8pPr marL="3429000" indent="-228600" eaLnBrk="0" fontAlgn="base" hangingPunct="0">
-              <a:spcBef>
-                <a:spcPct val="0"/>
-              </a:spcBef>
-              <a:spcAft>
-                <a:spcPct val="0"/>
-              </a:spcAft>
-              <a:defRPr>
-                <a:solidFill>
-                  <a:schemeClr val="tx1"/>
-                </a:solidFill>
-                <a:latin typeface="Arial" panose="020B0604020202020204" pitchFamily="34" charset="0"/>
-              </a:defRPr>
-            </a:lvl8pPr>
-            <a:lvl9pPr marL="3886200" indent="-228600" eaLnBrk="0" fontAlgn="base" hangingPunct="0">
-              <a:spcBef>
-                <a:spcPct val="0"/>
-              </a:spcBef>
-              <a:spcAft>
-                <a:spcPct val="0"/>
-              </a:spcAft>
-              <a:defRPr>
-                <a:solidFill>
-                  <a:schemeClr val="tx1"/>
-                </a:solidFill>
-                <a:latin typeface="Arial" panose="020B0604020202020204" pitchFamily="34" charset="0"/>
-              </a:defRPr>
-            </a:lvl9pPr>
-          </a:lstStyle>
-          <a:p>
-            <a:endParaRPr lang="zh-CN" altLang="en-US">
-              <a:solidFill>
-                <a:srgbClr val="FF0000"/>
-              </a:solidFill>
-              <a:ea typeface="宋体" panose="02010600030101010101" pitchFamily="2" charset="-122"/>
-            </a:endParaRPr>
-          </a:p>
-        </p:txBody>
-      </p:sp>
+        </p:spPr>
+      </p:pic>
+      <p:pic>
+        <p:nvPicPr>
+          <p:cNvPr id="13" name="Picture 12">
+            <a:extLst>
+              <a:ext uri="{FF2B5EF4-FFF2-40B4-BE49-F238E27FC236}">
+                <a16:creationId xmlns:a16="http://schemas.microsoft.com/office/drawing/2014/main" id="{80DDC74D-804C-4D70-B22D-DD17B5813CB6}"/>
+              </a:ext>
+            </a:extLst>
+          </p:cNvPr>
+          <p:cNvPicPr>
+            <a:picLocks noChangeAspect="1"/>
+          </p:cNvPicPr>
+          <p:nvPr/>
+        </p:nvPicPr>
+        <p:blipFill>
+          <a:blip r:embed="rId4">
+            <a:extLst>
+              <a:ext uri="{28A0092B-C50C-407E-A947-70E740481C1C}">
+                <a14:useLocalDpi xmlns:a14="http://schemas.microsoft.com/office/drawing/2010/main" val="0"/>
+              </a:ext>
+            </a:extLst>
+          </a:blip>
+          <a:stretch>
+            <a:fillRect/>
+          </a:stretch>
+        </p:blipFill>
+        <p:spPr>
+          <a:xfrm>
+            <a:off x="5076056" y="3068959"/>
+            <a:ext cx="3312368" cy="2908712"/>
+          </a:xfrm>
+          <a:prstGeom prst="rect">
+            <a:avLst/>
+          </a:prstGeom>
+          <a:ln>
+            <a:solidFill>
+              <a:schemeClr val="tx1"/>
+            </a:solidFill>
+          </a:ln>
+        </p:spPr>
+      </p:pic>
     </p:spTree>
+    <p:extLst>
+      <p:ext uri="{BB962C8B-B14F-4D97-AF65-F5344CB8AC3E}">
+        <p14:creationId xmlns:p14="http://schemas.microsoft.com/office/powerpoint/2010/main" val="2649225507"/>
+      </p:ext>
+    </p:extLst>
   </p:cSld>
   <p:clrMapOvr>
     <a:masterClrMapping/>
@@ -5356,125 +4783,237 @@
           <a:chExt cx="0" cy="0"/>
         </a:xfrm>
       </p:grpSpPr>
-      <p:sp>
-        <p:nvSpPr>
-          <p:cNvPr id="2" name="Title 1">
-            <a:extLst>
-              <a:ext uri="{FF2B5EF4-FFF2-40B4-BE49-F238E27FC236}">
-                <a16:creationId xmlns:a16="http://schemas.microsoft.com/office/drawing/2014/main" id="{793F5B1C-8E19-41E2-AAD9-C39E636B6173}"/>
-              </a:ext>
-            </a:extLst>
-          </p:cNvPr>
-          <p:cNvSpPr>
-            <a:spLocks noGrp="1"/>
-          </p:cNvSpPr>
-          <p:nvPr>
-            <p:ph type="title"/>
-          </p:nvPr>
-        </p:nvSpPr>
-        <p:spPr/>
-        <p:txBody>
-          <a:bodyPr/>
-          <a:lstStyle/>
-          <a:p>
-            <a:r>
-              <a:rPr lang="en-IE" dirty="0"/>
-              <a:t>Objectives:	</a:t>
-            </a:r>
-          </a:p>
-        </p:txBody>
-      </p:sp>
-      <p:sp>
-        <p:nvSpPr>
-          <p:cNvPr id="3" name="Content Placeholder 2">
-            <a:extLst>
-              <a:ext uri="{FF2B5EF4-FFF2-40B4-BE49-F238E27FC236}">
-                <a16:creationId xmlns:a16="http://schemas.microsoft.com/office/drawing/2014/main" id="{6CF5CCA1-2859-41AD-8839-C4C40E1B69CA}"/>
-              </a:ext>
-            </a:extLst>
-          </p:cNvPr>
-          <p:cNvSpPr>
-            <a:spLocks noGrp="1"/>
-          </p:cNvSpPr>
-          <p:nvPr>
-            <p:ph idx="1"/>
-          </p:nvPr>
-        </p:nvSpPr>
+      <p:pic>
+        <p:nvPicPr>
+          <p:cNvPr id="10" name="Picture 9">
+            <a:extLst>
+              <a:ext uri="{FF2B5EF4-FFF2-40B4-BE49-F238E27FC236}">
+                <a16:creationId xmlns:a16="http://schemas.microsoft.com/office/drawing/2014/main" id="{AF75FFC1-17D9-430A-A3B2-DB349C13D547}"/>
+              </a:ext>
+            </a:extLst>
+          </p:cNvPr>
+          <p:cNvPicPr>
+            <a:picLocks noChangeAspect="1"/>
+          </p:cNvPicPr>
+          <p:nvPr/>
+        </p:nvPicPr>
+        <p:blipFill>
+          <a:blip r:embed="rId2">
+            <a:extLst>
+              <a:ext uri="{28A0092B-C50C-407E-A947-70E740481C1C}">
+                <a14:useLocalDpi xmlns:a14="http://schemas.microsoft.com/office/drawing/2010/main" val="0"/>
+              </a:ext>
+            </a:extLst>
+          </a:blip>
+          <a:stretch>
+            <a:fillRect/>
+          </a:stretch>
+        </p:blipFill>
         <p:spPr>
           <a:xfrm>
-            <a:off x="1676400" y="1413581"/>
-            <a:ext cx="7391400" cy="4525963"/>
+            <a:off x="3635896" y="908720"/>
+            <a:ext cx="4824536" cy="5743845"/>
           </a:xfrm>
-        </p:spPr>
-        <p:txBody>
-          <a:bodyPr/>
-          <a:lstStyle/>
-          <a:p>
-            <a:pPr marL="0" indent="0">
-              <a:buNone/>
-            </a:pPr>
-            <a:r>
-              <a:rPr lang="en-IE" sz="2800" dirty="0"/>
-              <a:t>Project problem:</a:t>
-            </a:r>
-          </a:p>
-          <a:p>
-            <a:pPr marL="0" indent="0">
-              <a:buNone/>
-            </a:pPr>
-            <a:r>
-              <a:rPr lang="en-IE" sz="2400" dirty="0"/>
-              <a:t>Develop an application that encrypts the image. </a:t>
-            </a:r>
-          </a:p>
-          <a:p>
-            <a:pPr marL="0" indent="0">
-              <a:buNone/>
-            </a:pPr>
-            <a:endParaRPr lang="en-IE" sz="2400" dirty="0"/>
-          </a:p>
-          <a:p>
-            <a:pPr marL="0" indent="0">
-              <a:buNone/>
-            </a:pPr>
-            <a:r>
-              <a:rPr lang="en-IE" sz="2800" dirty="0"/>
-              <a:t>Problem solution:</a:t>
-            </a:r>
-          </a:p>
-          <a:p>
-            <a:pPr marL="0" indent="0">
-              <a:buNone/>
-            </a:pPr>
-            <a:r>
-              <a:rPr lang="en-IE" sz="2400" dirty="0"/>
-              <a:t>-Java application that take image file as an input</a:t>
-            </a:r>
-          </a:p>
-          <a:p>
-            <a:pPr marL="0" indent="0">
-              <a:buNone/>
-            </a:pPr>
-            <a:r>
-              <a:rPr lang="en-IE" sz="2400" dirty="0"/>
-              <a:t>-Ask user for security password that meet specific requirement</a:t>
-            </a:r>
-          </a:p>
-          <a:p>
-            <a:pPr marL="0" indent="0">
-              <a:buNone/>
-            </a:pPr>
-            <a:r>
-              <a:rPr lang="en-IE" sz="2400" dirty="0"/>
-              <a:t>-Encrypt it and store hashed (SHA-512) password in the file</a:t>
-            </a:r>
+          <a:prstGeom prst="rect">
+            <a:avLst/>
+          </a:prstGeom>
+        </p:spPr>
+      </p:pic>
+      <p:sp>
+        <p:nvSpPr>
+          <p:cNvPr id="4" name="Rectangle 2">
+            <a:extLst>
+              <a:ext uri="{FF2B5EF4-FFF2-40B4-BE49-F238E27FC236}">
+                <a16:creationId xmlns:a16="http://schemas.microsoft.com/office/drawing/2014/main" id="{9000A116-6D3C-4871-A773-4EC6E46FDF01}"/>
+              </a:ext>
+            </a:extLst>
+          </p:cNvPr>
+          <p:cNvSpPr txBox="1">
+            <a:spLocks noChangeArrowheads="1"/>
+          </p:cNvSpPr>
+          <p:nvPr/>
+        </p:nvSpPr>
+        <p:spPr bwMode="auto">
+          <a:xfrm>
+            <a:off x="0" y="24695"/>
+            <a:ext cx="9144000" cy="595994"/>
+          </a:xfrm>
+          <a:prstGeom prst="rect">
+            <a:avLst/>
+          </a:prstGeom>
+          <a:noFill/>
+          <a:ln>
+            <a:noFill/>
+          </a:ln>
+          <a:extLst>
+            <a:ext uri="{909E8E84-426E-40DD-AFC4-6F175D3DCCD1}">
+              <a14:hiddenFill xmlns:a14="http://schemas.microsoft.com/office/drawing/2010/main">
+                <a:solidFill>
+                  <a:srgbClr val="FFFFFF"/>
+                </a:solidFill>
+              </a14:hiddenFill>
+            </a:ext>
+            <a:ext uri="{91240B29-F687-4F45-9708-019B960494DF}">
+              <a14:hiddenLine xmlns:a14="http://schemas.microsoft.com/office/drawing/2010/main" w="9525">
+                <a:solidFill>
+                  <a:srgbClr val="000000"/>
+                </a:solidFill>
+                <a:miter lim="800000"/>
+                <a:headEnd/>
+                <a:tailEnd/>
+              </a14:hiddenLine>
+            </a:ext>
+          </a:extLst>
+        </p:spPr>
+        <p:txBody>
+          <a:bodyPr vert="horz" wrap="square" lIns="91440" tIns="45720" rIns="91440" bIns="45720" numCol="1" anchor="t" anchorCtr="0" compatLnSpc="1">
+            <a:prstTxWarp prst="textNoShape">
+              <a:avLst/>
+            </a:prstTxWarp>
+          </a:bodyPr>
+          <a:lstStyle>
+            <a:lvl1pPr algn="l" rtl="0" eaLnBrk="1" fontAlgn="base" hangingPunct="1">
+              <a:spcBef>
+                <a:spcPct val="0"/>
+              </a:spcBef>
+              <a:spcAft>
+                <a:spcPct val="0"/>
+              </a:spcAft>
+              <a:defRPr sz="4400">
+                <a:solidFill>
+                  <a:schemeClr val="tx2"/>
+                </a:solidFill>
+                <a:latin typeface="+mj-lt"/>
+                <a:ea typeface="+mj-ea"/>
+                <a:cs typeface="+mj-cs"/>
+              </a:defRPr>
+            </a:lvl1pPr>
+            <a:lvl2pPr algn="l" rtl="0" eaLnBrk="1" fontAlgn="base" hangingPunct="1">
+              <a:spcBef>
+                <a:spcPct val="0"/>
+              </a:spcBef>
+              <a:spcAft>
+                <a:spcPct val="0"/>
+              </a:spcAft>
+              <a:defRPr sz="4400">
+                <a:solidFill>
+                  <a:schemeClr val="tx2"/>
+                </a:solidFill>
+                <a:latin typeface="Arial" charset="0"/>
+              </a:defRPr>
+            </a:lvl2pPr>
+            <a:lvl3pPr algn="l" rtl="0" eaLnBrk="1" fontAlgn="base" hangingPunct="1">
+              <a:spcBef>
+                <a:spcPct val="0"/>
+              </a:spcBef>
+              <a:spcAft>
+                <a:spcPct val="0"/>
+              </a:spcAft>
+              <a:defRPr sz="4400">
+                <a:solidFill>
+                  <a:schemeClr val="tx2"/>
+                </a:solidFill>
+                <a:latin typeface="Arial" charset="0"/>
+              </a:defRPr>
+            </a:lvl3pPr>
+            <a:lvl4pPr algn="l" rtl="0" eaLnBrk="1" fontAlgn="base" hangingPunct="1">
+              <a:spcBef>
+                <a:spcPct val="0"/>
+              </a:spcBef>
+              <a:spcAft>
+                <a:spcPct val="0"/>
+              </a:spcAft>
+              <a:defRPr sz="4400">
+                <a:solidFill>
+                  <a:schemeClr val="tx2"/>
+                </a:solidFill>
+                <a:latin typeface="Arial" charset="0"/>
+              </a:defRPr>
+            </a:lvl4pPr>
+            <a:lvl5pPr algn="l" rtl="0" eaLnBrk="1" fontAlgn="base" hangingPunct="1">
+              <a:spcBef>
+                <a:spcPct val="0"/>
+              </a:spcBef>
+              <a:spcAft>
+                <a:spcPct val="0"/>
+              </a:spcAft>
+              <a:defRPr sz="4400">
+                <a:solidFill>
+                  <a:schemeClr val="tx2"/>
+                </a:solidFill>
+                <a:latin typeface="Arial" charset="0"/>
+              </a:defRPr>
+            </a:lvl5pPr>
+            <a:lvl6pPr marL="457200" algn="l" rtl="0" eaLnBrk="1" fontAlgn="base" hangingPunct="1">
+              <a:spcBef>
+                <a:spcPct val="0"/>
+              </a:spcBef>
+              <a:spcAft>
+                <a:spcPct val="0"/>
+              </a:spcAft>
+              <a:defRPr sz="4400">
+                <a:solidFill>
+                  <a:schemeClr val="tx2"/>
+                </a:solidFill>
+                <a:latin typeface="Arial" charset="0"/>
+              </a:defRPr>
+            </a:lvl6pPr>
+            <a:lvl7pPr marL="914400" algn="l" rtl="0" eaLnBrk="1" fontAlgn="base" hangingPunct="1">
+              <a:spcBef>
+                <a:spcPct val="0"/>
+              </a:spcBef>
+              <a:spcAft>
+                <a:spcPct val="0"/>
+              </a:spcAft>
+              <a:defRPr sz="4400">
+                <a:solidFill>
+                  <a:schemeClr val="tx2"/>
+                </a:solidFill>
+                <a:latin typeface="Arial" charset="0"/>
+              </a:defRPr>
+            </a:lvl7pPr>
+            <a:lvl8pPr marL="1371600" algn="l" rtl="0" eaLnBrk="1" fontAlgn="base" hangingPunct="1">
+              <a:spcBef>
+                <a:spcPct val="0"/>
+              </a:spcBef>
+              <a:spcAft>
+                <a:spcPct val="0"/>
+              </a:spcAft>
+              <a:defRPr sz="4400">
+                <a:solidFill>
+                  <a:schemeClr val="tx2"/>
+                </a:solidFill>
+                <a:latin typeface="Arial" charset="0"/>
+              </a:defRPr>
+            </a:lvl8pPr>
+            <a:lvl9pPr marL="1828800" algn="l" rtl="0" eaLnBrk="1" fontAlgn="base" hangingPunct="1">
+              <a:spcBef>
+                <a:spcPct val="0"/>
+              </a:spcBef>
+              <a:spcAft>
+                <a:spcPct val="0"/>
+              </a:spcAft>
+              <a:defRPr sz="4400">
+                <a:solidFill>
+                  <a:schemeClr val="tx2"/>
+                </a:solidFill>
+                <a:latin typeface="Arial" charset="0"/>
+              </a:defRPr>
+            </a:lvl9pPr>
+          </a:lstStyle>
+          <a:p>
+            <a:r>
+              <a:rPr lang="en-IE" b="1" kern="0" dirty="0"/>
+              <a:t>Code snippet – password verification</a:t>
+            </a:r>
+            <a:endParaRPr lang="en-IE" kern="0" dirty="0"/>
           </a:p>
         </p:txBody>
       </p:sp>
     </p:spTree>
     <p:extLst>
       <p:ext uri="{BB962C8B-B14F-4D97-AF65-F5344CB8AC3E}">
-        <p14:creationId xmlns:p14="http://schemas.microsoft.com/office/powerpoint/2010/main" val="1812036424"/>
+        <p14:creationId xmlns:p14="http://schemas.microsoft.com/office/powerpoint/2010/main" val="3312396339"/>
       </p:ext>
     </p:extLst>
   </p:cSld>
@@ -5503,10 +5042,10 @@
       </p:grpSpPr>
       <p:pic>
         <p:nvPicPr>
-          <p:cNvPr id="11" name="Picture 10">
-            <a:extLst>
-              <a:ext uri="{FF2B5EF4-FFF2-40B4-BE49-F238E27FC236}">
-                <a16:creationId xmlns:a16="http://schemas.microsoft.com/office/drawing/2014/main" id="{20EF0016-4346-492E-A853-00891388BF9B}"/>
+          <p:cNvPr id="4" name="Picture 3">
+            <a:extLst>
+              <a:ext uri="{FF2B5EF4-FFF2-40B4-BE49-F238E27FC236}">
+                <a16:creationId xmlns:a16="http://schemas.microsoft.com/office/drawing/2014/main" id="{7212A5E4-6384-4486-9A6D-4F778DBCDA6B}"/>
               </a:ext>
             </a:extLst>
           </p:cNvPr>
@@ -5529,90 +5068,209 @@
         </p:blipFill>
         <p:spPr>
           <a:xfrm>
-            <a:off x="2242102" y="16232"/>
-            <a:ext cx="3117166" cy="6841768"/>
+            <a:off x="1907704" y="1556792"/>
+            <a:ext cx="7039558" cy="4454834"/>
           </a:xfrm>
           <a:prstGeom prst="rect">
             <a:avLst/>
           </a:prstGeom>
         </p:spPr>
       </p:pic>
-      <p:pic>
-        <p:nvPicPr>
-          <p:cNvPr id="13" name="Picture 12">
-            <a:extLst>
-              <a:ext uri="{FF2B5EF4-FFF2-40B4-BE49-F238E27FC236}">
-                <a16:creationId xmlns:a16="http://schemas.microsoft.com/office/drawing/2014/main" id="{80DDC74D-804C-4D70-B22D-DD17B5813CB6}"/>
-              </a:ext>
-            </a:extLst>
-          </p:cNvPr>
-          <p:cNvPicPr>
-            <a:picLocks noChangeAspect="1"/>
-          </p:cNvPicPr>
+      <p:sp>
+        <p:nvSpPr>
+          <p:cNvPr id="6" name="Rectangle 2">
+            <a:extLst>
+              <a:ext uri="{FF2B5EF4-FFF2-40B4-BE49-F238E27FC236}">
+                <a16:creationId xmlns:a16="http://schemas.microsoft.com/office/drawing/2014/main" id="{AA97C024-D1D8-4DA2-BCBE-3D50B27BF55F}"/>
+              </a:ext>
+            </a:extLst>
+          </p:cNvPr>
+          <p:cNvSpPr txBox="1">
+            <a:spLocks noChangeArrowheads="1"/>
+          </p:cNvSpPr>
           <p:nvPr/>
-        </p:nvPicPr>
-        <p:blipFill>
-          <a:blip r:embed="rId3">
-            <a:extLst>
-              <a:ext uri="{28A0092B-C50C-407E-A947-70E740481C1C}">
-                <a14:useLocalDpi xmlns:a14="http://schemas.microsoft.com/office/drawing/2010/main" val="0"/>
-              </a:ext>
-            </a:extLst>
-          </a:blip>
-          <a:stretch>
-            <a:fillRect/>
-          </a:stretch>
-        </p:blipFill>
-        <p:spPr>
+        </p:nvSpPr>
+        <p:spPr bwMode="auto">
           <a:xfrm>
-            <a:off x="5605122" y="16232"/>
-            <a:ext cx="3312368" cy="2908712"/>
+            <a:off x="0" y="24695"/>
+            <a:ext cx="9144000" cy="595994"/>
           </a:xfrm>
           <a:prstGeom prst="rect">
             <a:avLst/>
           </a:prstGeom>
-        </p:spPr>
-      </p:pic>
-      <p:pic>
-        <p:nvPicPr>
-          <p:cNvPr id="15" name="Picture 14">
-            <a:extLst>
-              <a:ext uri="{FF2B5EF4-FFF2-40B4-BE49-F238E27FC236}">
-                <a16:creationId xmlns:a16="http://schemas.microsoft.com/office/drawing/2014/main" id="{CA544A7C-00E9-4B57-BFC7-1FA251271961}"/>
-              </a:ext>
-            </a:extLst>
-          </p:cNvPr>
-          <p:cNvPicPr>
-            <a:picLocks noChangeAspect="1"/>
-          </p:cNvPicPr>
-          <p:nvPr/>
-        </p:nvPicPr>
-        <p:blipFill>
-          <a:blip r:embed="rId4">
-            <a:extLst>
-              <a:ext uri="{28A0092B-C50C-407E-A947-70E740481C1C}">
-                <a14:useLocalDpi xmlns:a14="http://schemas.microsoft.com/office/drawing/2010/main" val="0"/>
-              </a:ext>
-            </a:extLst>
-          </a:blip>
-          <a:stretch>
-            <a:fillRect/>
-          </a:stretch>
-        </p:blipFill>
-        <p:spPr>
-          <a:xfrm>
-            <a:off x="5605122" y="3068959"/>
-            <a:ext cx="3312368" cy="3790449"/>
-          </a:xfrm>
-          <a:prstGeom prst="rect">
-            <a:avLst/>
-          </a:prstGeom>
-        </p:spPr>
-      </p:pic>
+          <a:noFill/>
+          <a:ln>
+            <a:noFill/>
+          </a:ln>
+          <a:extLst>
+            <a:ext uri="{909E8E84-426E-40DD-AFC4-6F175D3DCCD1}">
+              <a14:hiddenFill xmlns:a14="http://schemas.microsoft.com/office/drawing/2010/main">
+                <a:solidFill>
+                  <a:srgbClr val="FFFFFF"/>
+                </a:solidFill>
+              </a14:hiddenFill>
+            </a:ext>
+            <a:ext uri="{91240B29-F687-4F45-9708-019B960494DF}">
+              <a14:hiddenLine xmlns:a14="http://schemas.microsoft.com/office/drawing/2010/main" w="9525">
+                <a:solidFill>
+                  <a:srgbClr val="000000"/>
+                </a:solidFill>
+                <a:miter lim="800000"/>
+                <a:headEnd/>
+                <a:tailEnd/>
+              </a14:hiddenLine>
+            </a:ext>
+          </a:extLst>
+        </p:spPr>
+        <p:txBody>
+          <a:bodyPr vert="horz" wrap="square" lIns="91440" tIns="45720" rIns="91440" bIns="45720" numCol="1" anchor="t" anchorCtr="0" compatLnSpc="1">
+            <a:prstTxWarp prst="textNoShape">
+              <a:avLst/>
+            </a:prstTxWarp>
+          </a:bodyPr>
+          <a:lstStyle>
+            <a:lvl1pPr algn="l" rtl="0" eaLnBrk="1" fontAlgn="base" hangingPunct="1">
+              <a:spcBef>
+                <a:spcPct val="0"/>
+              </a:spcBef>
+              <a:spcAft>
+                <a:spcPct val="0"/>
+              </a:spcAft>
+              <a:defRPr sz="4400">
+                <a:solidFill>
+                  <a:schemeClr val="tx2"/>
+                </a:solidFill>
+                <a:latin typeface="+mj-lt"/>
+                <a:ea typeface="+mj-ea"/>
+                <a:cs typeface="+mj-cs"/>
+              </a:defRPr>
+            </a:lvl1pPr>
+            <a:lvl2pPr algn="l" rtl="0" eaLnBrk="1" fontAlgn="base" hangingPunct="1">
+              <a:spcBef>
+                <a:spcPct val="0"/>
+              </a:spcBef>
+              <a:spcAft>
+                <a:spcPct val="0"/>
+              </a:spcAft>
+              <a:defRPr sz="4400">
+                <a:solidFill>
+                  <a:schemeClr val="tx2"/>
+                </a:solidFill>
+                <a:latin typeface="Arial" charset="0"/>
+              </a:defRPr>
+            </a:lvl2pPr>
+            <a:lvl3pPr algn="l" rtl="0" eaLnBrk="1" fontAlgn="base" hangingPunct="1">
+              <a:spcBef>
+                <a:spcPct val="0"/>
+              </a:spcBef>
+              <a:spcAft>
+                <a:spcPct val="0"/>
+              </a:spcAft>
+              <a:defRPr sz="4400">
+                <a:solidFill>
+                  <a:schemeClr val="tx2"/>
+                </a:solidFill>
+                <a:latin typeface="Arial" charset="0"/>
+              </a:defRPr>
+            </a:lvl3pPr>
+            <a:lvl4pPr algn="l" rtl="0" eaLnBrk="1" fontAlgn="base" hangingPunct="1">
+              <a:spcBef>
+                <a:spcPct val="0"/>
+              </a:spcBef>
+              <a:spcAft>
+                <a:spcPct val="0"/>
+              </a:spcAft>
+              <a:defRPr sz="4400">
+                <a:solidFill>
+                  <a:schemeClr val="tx2"/>
+                </a:solidFill>
+                <a:latin typeface="Arial" charset="0"/>
+              </a:defRPr>
+            </a:lvl4pPr>
+            <a:lvl5pPr algn="l" rtl="0" eaLnBrk="1" fontAlgn="base" hangingPunct="1">
+              <a:spcBef>
+                <a:spcPct val="0"/>
+              </a:spcBef>
+              <a:spcAft>
+                <a:spcPct val="0"/>
+              </a:spcAft>
+              <a:defRPr sz="4400">
+                <a:solidFill>
+                  <a:schemeClr val="tx2"/>
+                </a:solidFill>
+                <a:latin typeface="Arial" charset="0"/>
+              </a:defRPr>
+            </a:lvl5pPr>
+            <a:lvl6pPr marL="457200" algn="l" rtl="0" eaLnBrk="1" fontAlgn="base" hangingPunct="1">
+              <a:spcBef>
+                <a:spcPct val="0"/>
+              </a:spcBef>
+              <a:spcAft>
+                <a:spcPct val="0"/>
+              </a:spcAft>
+              <a:defRPr sz="4400">
+                <a:solidFill>
+                  <a:schemeClr val="tx2"/>
+                </a:solidFill>
+                <a:latin typeface="Arial" charset="0"/>
+              </a:defRPr>
+            </a:lvl6pPr>
+            <a:lvl7pPr marL="914400" algn="l" rtl="0" eaLnBrk="1" fontAlgn="base" hangingPunct="1">
+              <a:spcBef>
+                <a:spcPct val="0"/>
+              </a:spcBef>
+              <a:spcAft>
+                <a:spcPct val="0"/>
+              </a:spcAft>
+              <a:defRPr sz="4400">
+                <a:solidFill>
+                  <a:schemeClr val="tx2"/>
+                </a:solidFill>
+                <a:latin typeface="Arial" charset="0"/>
+              </a:defRPr>
+            </a:lvl7pPr>
+            <a:lvl8pPr marL="1371600" algn="l" rtl="0" eaLnBrk="1" fontAlgn="base" hangingPunct="1">
+              <a:spcBef>
+                <a:spcPct val="0"/>
+              </a:spcBef>
+              <a:spcAft>
+                <a:spcPct val="0"/>
+              </a:spcAft>
+              <a:defRPr sz="4400">
+                <a:solidFill>
+                  <a:schemeClr val="tx2"/>
+                </a:solidFill>
+                <a:latin typeface="Arial" charset="0"/>
+              </a:defRPr>
+            </a:lvl8pPr>
+            <a:lvl9pPr marL="1828800" algn="l" rtl="0" eaLnBrk="1" fontAlgn="base" hangingPunct="1">
+              <a:spcBef>
+                <a:spcPct val="0"/>
+              </a:spcBef>
+              <a:spcAft>
+                <a:spcPct val="0"/>
+              </a:spcAft>
+              <a:defRPr sz="4400">
+                <a:solidFill>
+                  <a:schemeClr val="tx2"/>
+                </a:solidFill>
+                <a:latin typeface="Arial" charset="0"/>
+              </a:defRPr>
+            </a:lvl9pPr>
+          </a:lstStyle>
+          <a:p>
+            <a:r>
+              <a:rPr lang="en-IE" b="1" kern="0" dirty="0"/>
+              <a:t>Code snippet – encryption method</a:t>
+            </a:r>
+            <a:endParaRPr lang="en-IE" kern="0" dirty="0"/>
+          </a:p>
+        </p:txBody>
+      </p:sp>
     </p:spTree>
     <p:extLst>
       <p:ext uri="{BB962C8B-B14F-4D97-AF65-F5344CB8AC3E}">
-        <p14:creationId xmlns:p14="http://schemas.microsoft.com/office/powerpoint/2010/main" val="2649225507"/>
+        <p14:creationId xmlns:p14="http://schemas.microsoft.com/office/powerpoint/2010/main" val="1789154567"/>
       </p:ext>
     </p:extLst>
   </p:cSld>
@@ -5641,340 +5299,1553 @@
       </p:grpSpPr>
       <p:sp>
         <p:nvSpPr>
-          <p:cNvPr id="2" name="Title 1">
-            <a:extLst>
-              <a:ext uri="{FF2B5EF4-FFF2-40B4-BE49-F238E27FC236}">
-                <a16:creationId xmlns:a16="http://schemas.microsoft.com/office/drawing/2014/main" id="{D96724BD-2E09-471F-A6E4-784184E11195}"/>
-              </a:ext>
-            </a:extLst>
-          </p:cNvPr>
-          <p:cNvSpPr>
-            <a:spLocks noGrp="1"/>
-          </p:cNvSpPr>
-          <p:nvPr>
-            <p:ph type="title"/>
-          </p:nvPr>
-        </p:nvSpPr>
-        <p:spPr>
+          <p:cNvPr id="7" name="Rectangle 2">
+            <a:extLst>
+              <a:ext uri="{FF2B5EF4-FFF2-40B4-BE49-F238E27FC236}">
+                <a16:creationId xmlns:a16="http://schemas.microsoft.com/office/drawing/2014/main" id="{5B170071-A72D-4D9C-9E1E-BB9125D02BBD}"/>
+              </a:ext>
+            </a:extLst>
+          </p:cNvPr>
+          <p:cNvSpPr txBox="1">
+            <a:spLocks noChangeArrowheads="1"/>
+          </p:cNvSpPr>
+          <p:nvPr/>
+        </p:nvSpPr>
+        <p:spPr bwMode="auto">
           <a:xfrm>
-            <a:off x="0" y="25841"/>
-            <a:ext cx="9144000" cy="1143000"/>
-          </a:xfrm>
-        </p:spPr>
-        <p:txBody>
-          <a:bodyPr/>
-          <a:lstStyle/>
-          <a:p>
-            <a:pPr algn="ctr"/>
-            <a:r>
-              <a:rPr lang="en-IE" sz="3600" dirty="0"/>
-              <a:t>Code snippet –password verification</a:t>
-            </a:r>
-          </a:p>
-        </p:txBody>
-      </p:sp>
-      <p:pic>
-        <p:nvPicPr>
-          <p:cNvPr id="10" name="Picture 9">
-            <a:extLst>
-              <a:ext uri="{FF2B5EF4-FFF2-40B4-BE49-F238E27FC236}">
-                <a16:creationId xmlns:a16="http://schemas.microsoft.com/office/drawing/2014/main" id="{AF75FFC1-17D9-430A-A3B2-DB349C13D547}"/>
-              </a:ext>
-            </a:extLst>
-          </p:cNvPr>
-          <p:cNvPicPr>
-            <a:picLocks noChangeAspect="1"/>
-          </p:cNvPicPr>
-          <p:nvPr/>
-        </p:nvPicPr>
-        <p:blipFill>
-          <a:blip r:embed="rId2">
-            <a:extLst>
-              <a:ext uri="{28A0092B-C50C-407E-A947-70E740481C1C}">
-                <a14:useLocalDpi xmlns:a14="http://schemas.microsoft.com/office/drawing/2010/main" val="0"/>
-              </a:ext>
-            </a:extLst>
-          </a:blip>
-          <a:stretch>
-            <a:fillRect/>
-          </a:stretch>
-        </p:blipFill>
-        <p:spPr>
-          <a:xfrm>
-            <a:off x="2627784" y="980728"/>
-            <a:ext cx="4824536" cy="5743845"/>
-          </a:xfrm>
-          <a:prstGeom prst="rect">
-            <a:avLst/>
-          </a:prstGeom>
-        </p:spPr>
-      </p:pic>
-    </p:spTree>
-    <p:extLst>
-      <p:ext uri="{BB962C8B-B14F-4D97-AF65-F5344CB8AC3E}">
-        <p14:creationId xmlns:p14="http://schemas.microsoft.com/office/powerpoint/2010/main" val="3312396339"/>
-      </p:ext>
-    </p:extLst>
-  </p:cSld>
-  <p:clrMapOvr>
-    <a:masterClrMapping/>
-  </p:clrMapOvr>
-</p:sld>
-</file>
-
-<file path=ppt/slides/slide6.xml><?xml version="1.0" encoding="utf-8"?>
-<p:sld xmlns:a="http://schemas.openxmlformats.org/drawingml/2006/main" xmlns:r="http://schemas.openxmlformats.org/officeDocument/2006/relationships" xmlns:p="http://schemas.openxmlformats.org/presentationml/2006/main">
-  <p:cSld>
-    <p:spTree>
-      <p:nvGrpSpPr>
-        <p:cNvPr id="1" name=""/>
-        <p:cNvGrpSpPr/>
-        <p:nvPr/>
-      </p:nvGrpSpPr>
-      <p:grpSpPr>
-        <a:xfrm>
-          <a:off x="0" y="0"/>
-          <a:ext cx="0" cy="0"/>
-          <a:chOff x="0" y="0"/>
-          <a:chExt cx="0" cy="0"/>
-        </a:xfrm>
-      </p:grpSpPr>
-      <p:sp>
-        <p:nvSpPr>
-          <p:cNvPr id="2" name="Title 1">
-            <a:extLst>
-              <a:ext uri="{FF2B5EF4-FFF2-40B4-BE49-F238E27FC236}">
-                <a16:creationId xmlns:a16="http://schemas.microsoft.com/office/drawing/2014/main" id="{D96724BD-2E09-471F-A6E4-784184E11195}"/>
-              </a:ext>
-            </a:extLst>
-          </p:cNvPr>
-          <p:cNvSpPr>
-            <a:spLocks noGrp="1"/>
-          </p:cNvSpPr>
-          <p:nvPr>
-            <p:ph type="title"/>
-          </p:nvPr>
-        </p:nvSpPr>
-        <p:spPr>
-          <a:xfrm>
-            <a:off x="0" y="25517"/>
-            <a:ext cx="9144000" cy="1143000"/>
-          </a:xfrm>
-        </p:spPr>
-        <p:txBody>
-          <a:bodyPr/>
-          <a:lstStyle/>
-          <a:p>
-            <a:pPr algn="ctr"/>
-            <a:r>
-              <a:rPr lang="en-IE" sz="3600" dirty="0"/>
-              <a:t>Code snippet –encryption method </a:t>
-            </a:r>
-          </a:p>
-        </p:txBody>
-      </p:sp>
-      <p:pic>
-        <p:nvPicPr>
-          <p:cNvPr id="4" name="Picture 3">
-            <a:extLst>
-              <a:ext uri="{FF2B5EF4-FFF2-40B4-BE49-F238E27FC236}">
-                <a16:creationId xmlns:a16="http://schemas.microsoft.com/office/drawing/2014/main" id="{7212A5E4-6384-4486-9A6D-4F778DBCDA6B}"/>
-              </a:ext>
-            </a:extLst>
-          </p:cNvPr>
-          <p:cNvPicPr>
-            <a:picLocks noChangeAspect="1"/>
-          </p:cNvPicPr>
-          <p:nvPr/>
-        </p:nvPicPr>
-        <p:blipFill>
-          <a:blip r:embed="rId2">
-            <a:extLst>
-              <a:ext uri="{28A0092B-C50C-407E-A947-70E740481C1C}">
-                <a14:useLocalDpi xmlns:a14="http://schemas.microsoft.com/office/drawing/2010/main" val="0"/>
-              </a:ext>
-            </a:extLst>
-          </a:blip>
-          <a:stretch>
-            <a:fillRect/>
-          </a:stretch>
-        </p:blipFill>
-        <p:spPr>
-          <a:xfrm>
-            <a:off x="1852922" y="1201823"/>
-            <a:ext cx="7039558" cy="4454834"/>
-          </a:xfrm>
-          <a:prstGeom prst="rect">
-            <a:avLst/>
-          </a:prstGeom>
-        </p:spPr>
-      </p:pic>
-    </p:spTree>
-    <p:extLst>
-      <p:ext uri="{BB962C8B-B14F-4D97-AF65-F5344CB8AC3E}">
-        <p14:creationId xmlns:p14="http://schemas.microsoft.com/office/powerpoint/2010/main" val="1789154567"/>
-      </p:ext>
-    </p:extLst>
-  </p:cSld>
-  <p:clrMapOvr>
-    <a:masterClrMapping/>
-  </p:clrMapOvr>
-</p:sld>
-</file>
-
-<file path=ppt/slides/slide7.xml><?xml version="1.0" encoding="utf-8"?>
-<p:sld xmlns:a="http://schemas.openxmlformats.org/drawingml/2006/main" xmlns:r="http://schemas.openxmlformats.org/officeDocument/2006/relationships" xmlns:p="http://schemas.openxmlformats.org/presentationml/2006/main">
-  <p:cSld>
-    <p:spTree>
-      <p:nvGrpSpPr>
-        <p:cNvPr id="1" name=""/>
-        <p:cNvGrpSpPr/>
-        <p:nvPr/>
-      </p:nvGrpSpPr>
-      <p:grpSpPr>
-        <a:xfrm>
-          <a:off x="0" y="0"/>
-          <a:ext cx="0" cy="0"/>
-          <a:chOff x="0" y="0"/>
-          <a:chExt cx="0" cy="0"/>
-        </a:xfrm>
-      </p:grpSpPr>
-      <p:sp>
-        <p:nvSpPr>
-          <p:cNvPr id="9" name="Title 8">
-            <a:extLst>
-              <a:ext uri="{FF2B5EF4-FFF2-40B4-BE49-F238E27FC236}">
-                <a16:creationId xmlns:a16="http://schemas.microsoft.com/office/drawing/2014/main" id="{5B60905C-058D-4DAE-8200-1C110D0CC7C7}"/>
-              </a:ext>
-            </a:extLst>
-          </p:cNvPr>
-          <p:cNvSpPr>
-            <a:spLocks noGrp="1"/>
-          </p:cNvSpPr>
-          <p:nvPr>
-            <p:ph type="title"/>
-          </p:nvPr>
-        </p:nvSpPr>
-        <p:spPr>
-          <a:xfrm>
-            <a:off x="0" y="274638"/>
-            <a:ext cx="9144000" cy="1143000"/>
-          </a:xfrm>
-        </p:spPr>
-        <p:txBody>
-          <a:bodyPr/>
-          <a:lstStyle/>
-          <a:p>
-            <a:pPr algn="ctr"/>
-            <a:r>
-              <a:rPr lang="en-IE" dirty="0"/>
-              <a:t>Conclusion:	</a:t>
-            </a:r>
-          </a:p>
-        </p:txBody>
-      </p:sp>
-      <p:sp>
-        <p:nvSpPr>
-          <p:cNvPr id="10" name="Content Placeholder 9">
-            <a:extLst>
-              <a:ext uri="{FF2B5EF4-FFF2-40B4-BE49-F238E27FC236}">
-                <a16:creationId xmlns:a16="http://schemas.microsoft.com/office/drawing/2014/main" id="{2B7590C3-9A14-49E6-8E94-6D611F75238B}"/>
-              </a:ext>
-            </a:extLst>
-          </p:cNvPr>
-          <p:cNvSpPr>
-            <a:spLocks noGrp="1"/>
-          </p:cNvSpPr>
-          <p:nvPr>
-            <p:ph idx="1"/>
-          </p:nvPr>
-        </p:nvSpPr>
-        <p:spPr>
-          <a:xfrm>
-            <a:off x="1688611" y="1628800"/>
-            <a:ext cx="7391400" cy="4525963"/>
-          </a:xfrm>
-        </p:spPr>
-        <p:txBody>
-          <a:bodyPr/>
-          <a:lstStyle/>
-          <a:p>
-            <a:r>
-              <a:rPr lang="en-IE" dirty="0"/>
-              <a:t>Prototype shows simple way how to encrypt images and secure this encryption by password.</a:t>
-            </a:r>
-          </a:p>
-          <a:p>
-            <a:r>
-              <a:rPr lang="en-IE" dirty="0"/>
-              <a:t>Password meet security requirement.</a:t>
-            </a:r>
-          </a:p>
-          <a:p>
-            <a:r>
-              <a:rPr lang="en-IE" dirty="0"/>
-              <a:t>Application can be used as a base for more complex solutions such as folder and multiple files encryption.</a:t>
-            </a:r>
-          </a:p>
-          <a:p>
-            <a:endParaRPr lang="en-IE" dirty="0"/>
-          </a:p>
-          <a:p>
-            <a:endParaRPr lang="en-IE" dirty="0"/>
-          </a:p>
-        </p:txBody>
-      </p:sp>
-    </p:spTree>
-    <p:extLst>
-      <p:ext uri="{BB962C8B-B14F-4D97-AF65-F5344CB8AC3E}">
-        <p14:creationId xmlns:p14="http://schemas.microsoft.com/office/powerpoint/2010/main" val="3650985683"/>
-      </p:ext>
-    </p:extLst>
-  </p:cSld>
-  <p:clrMapOvr>
-    <a:masterClrMapping/>
-  </p:clrMapOvr>
-</p:sld>
-</file>
-
-<file path=ppt/slides/slide8.xml><?xml version="1.0" encoding="utf-8"?>
-<p:sld xmlns:a="http://schemas.openxmlformats.org/drawingml/2006/main" xmlns:r="http://schemas.openxmlformats.org/officeDocument/2006/relationships" xmlns:p="http://schemas.openxmlformats.org/presentationml/2006/main">
-  <p:cSld>
-    <p:spTree>
-      <p:nvGrpSpPr>
-        <p:cNvPr id="1" name=""/>
-        <p:cNvGrpSpPr/>
-        <p:nvPr/>
-      </p:nvGrpSpPr>
-      <p:grpSpPr>
-        <a:xfrm>
-          <a:off x="0" y="0"/>
-          <a:ext cx="0" cy="0"/>
-          <a:chOff x="0" y="0"/>
-          <a:chExt cx="0" cy="0"/>
-        </a:xfrm>
-      </p:grpSpPr>
-      <p:sp>
-        <p:nvSpPr>
-          <p:cNvPr id="31" name="TextBox 30">
-            <a:extLst>
-              <a:ext uri="{FF2B5EF4-FFF2-40B4-BE49-F238E27FC236}">
-                <a16:creationId xmlns:a16="http://schemas.microsoft.com/office/drawing/2014/main" id="{60419538-52AD-4CAA-A4E4-AAD0F138F0C2}"/>
-              </a:ext>
-            </a:extLst>
-          </p:cNvPr>
-          <p:cNvSpPr txBox="1"/>
-          <p:nvPr/>
-        </p:nvSpPr>
-        <p:spPr>
-          <a:xfrm>
-            <a:off x="1143000" y="6858000"/>
-            <a:ext cx="6858000" cy="230832"/>
+            <a:off x="0" y="24695"/>
+            <a:ext cx="9144000" cy="595994"/>
           </a:xfrm>
           <a:prstGeom prst="rect">
             <a:avLst/>
           </a:prstGeom>
           <a:noFill/>
+          <a:ln>
+            <a:noFill/>
+          </a:ln>
+          <a:extLst>
+            <a:ext uri="{909E8E84-426E-40DD-AFC4-6F175D3DCCD1}">
+              <a14:hiddenFill xmlns:a14="http://schemas.microsoft.com/office/drawing/2010/main">
+                <a:solidFill>
+                  <a:srgbClr val="FFFFFF"/>
+                </a:solidFill>
+              </a14:hiddenFill>
+            </a:ext>
+            <a:ext uri="{91240B29-F687-4F45-9708-019B960494DF}">
+              <a14:hiddenLine xmlns:a14="http://schemas.microsoft.com/office/drawing/2010/main" w="9525">
+                <a:solidFill>
+                  <a:srgbClr val="000000"/>
+                </a:solidFill>
+                <a:miter lim="800000"/>
+                <a:headEnd/>
+                <a:tailEnd/>
+              </a14:hiddenLine>
+            </a:ext>
+          </a:extLst>
+        </p:spPr>
+        <p:txBody>
+          <a:bodyPr vert="horz" wrap="square" lIns="91440" tIns="45720" rIns="91440" bIns="45720" numCol="1" anchor="t" anchorCtr="0" compatLnSpc="1">
+            <a:prstTxWarp prst="textNoShape">
+              <a:avLst/>
+            </a:prstTxWarp>
+          </a:bodyPr>
+          <a:lstStyle>
+            <a:lvl1pPr algn="l" rtl="0" eaLnBrk="1" fontAlgn="base" hangingPunct="1">
+              <a:spcBef>
+                <a:spcPct val="0"/>
+              </a:spcBef>
+              <a:spcAft>
+                <a:spcPct val="0"/>
+              </a:spcAft>
+              <a:defRPr sz="4400">
+                <a:solidFill>
+                  <a:schemeClr val="tx2"/>
+                </a:solidFill>
+                <a:latin typeface="+mj-lt"/>
+                <a:ea typeface="+mj-ea"/>
+                <a:cs typeface="+mj-cs"/>
+              </a:defRPr>
+            </a:lvl1pPr>
+            <a:lvl2pPr algn="l" rtl="0" eaLnBrk="1" fontAlgn="base" hangingPunct="1">
+              <a:spcBef>
+                <a:spcPct val="0"/>
+              </a:spcBef>
+              <a:spcAft>
+                <a:spcPct val="0"/>
+              </a:spcAft>
+              <a:defRPr sz="4400">
+                <a:solidFill>
+                  <a:schemeClr val="tx2"/>
+                </a:solidFill>
+                <a:latin typeface="Arial" charset="0"/>
+              </a:defRPr>
+            </a:lvl2pPr>
+            <a:lvl3pPr algn="l" rtl="0" eaLnBrk="1" fontAlgn="base" hangingPunct="1">
+              <a:spcBef>
+                <a:spcPct val="0"/>
+              </a:spcBef>
+              <a:spcAft>
+                <a:spcPct val="0"/>
+              </a:spcAft>
+              <a:defRPr sz="4400">
+                <a:solidFill>
+                  <a:schemeClr val="tx2"/>
+                </a:solidFill>
+                <a:latin typeface="Arial" charset="0"/>
+              </a:defRPr>
+            </a:lvl3pPr>
+            <a:lvl4pPr algn="l" rtl="0" eaLnBrk="1" fontAlgn="base" hangingPunct="1">
+              <a:spcBef>
+                <a:spcPct val="0"/>
+              </a:spcBef>
+              <a:spcAft>
+                <a:spcPct val="0"/>
+              </a:spcAft>
+              <a:defRPr sz="4400">
+                <a:solidFill>
+                  <a:schemeClr val="tx2"/>
+                </a:solidFill>
+                <a:latin typeface="Arial" charset="0"/>
+              </a:defRPr>
+            </a:lvl4pPr>
+            <a:lvl5pPr algn="l" rtl="0" eaLnBrk="1" fontAlgn="base" hangingPunct="1">
+              <a:spcBef>
+                <a:spcPct val="0"/>
+              </a:spcBef>
+              <a:spcAft>
+                <a:spcPct val="0"/>
+              </a:spcAft>
+              <a:defRPr sz="4400">
+                <a:solidFill>
+                  <a:schemeClr val="tx2"/>
+                </a:solidFill>
+                <a:latin typeface="Arial" charset="0"/>
+              </a:defRPr>
+            </a:lvl5pPr>
+            <a:lvl6pPr marL="457200" algn="l" rtl="0" eaLnBrk="1" fontAlgn="base" hangingPunct="1">
+              <a:spcBef>
+                <a:spcPct val="0"/>
+              </a:spcBef>
+              <a:spcAft>
+                <a:spcPct val="0"/>
+              </a:spcAft>
+              <a:defRPr sz="4400">
+                <a:solidFill>
+                  <a:schemeClr val="tx2"/>
+                </a:solidFill>
+                <a:latin typeface="Arial" charset="0"/>
+              </a:defRPr>
+            </a:lvl6pPr>
+            <a:lvl7pPr marL="914400" algn="l" rtl="0" eaLnBrk="1" fontAlgn="base" hangingPunct="1">
+              <a:spcBef>
+                <a:spcPct val="0"/>
+              </a:spcBef>
+              <a:spcAft>
+                <a:spcPct val="0"/>
+              </a:spcAft>
+              <a:defRPr sz="4400">
+                <a:solidFill>
+                  <a:schemeClr val="tx2"/>
+                </a:solidFill>
+                <a:latin typeface="Arial" charset="0"/>
+              </a:defRPr>
+            </a:lvl7pPr>
+            <a:lvl8pPr marL="1371600" algn="l" rtl="0" eaLnBrk="1" fontAlgn="base" hangingPunct="1">
+              <a:spcBef>
+                <a:spcPct val="0"/>
+              </a:spcBef>
+              <a:spcAft>
+                <a:spcPct val="0"/>
+              </a:spcAft>
+              <a:defRPr sz="4400">
+                <a:solidFill>
+                  <a:schemeClr val="tx2"/>
+                </a:solidFill>
+                <a:latin typeface="Arial" charset="0"/>
+              </a:defRPr>
+            </a:lvl8pPr>
+            <a:lvl9pPr marL="1828800" algn="l" rtl="0" eaLnBrk="1" fontAlgn="base" hangingPunct="1">
+              <a:spcBef>
+                <a:spcPct val="0"/>
+              </a:spcBef>
+              <a:spcAft>
+                <a:spcPct val="0"/>
+              </a:spcAft>
+              <a:defRPr sz="4400">
+                <a:solidFill>
+                  <a:schemeClr val="tx2"/>
+                </a:solidFill>
+                <a:latin typeface="Arial" charset="0"/>
+              </a:defRPr>
+            </a:lvl9pPr>
+          </a:lstStyle>
+          <a:p>
+            <a:r>
+              <a:rPr lang="en-IE" b="1" kern="0" dirty="0"/>
+              <a:t>How it works</a:t>
+            </a:r>
+            <a:endParaRPr lang="en-IE" kern="0" dirty="0"/>
+          </a:p>
+        </p:txBody>
+      </p:sp>
+      <p:sp>
+        <p:nvSpPr>
+          <p:cNvPr id="8" name="Rectangle: Rounded Corners 7">
+            <a:extLst>
+              <a:ext uri="{FF2B5EF4-FFF2-40B4-BE49-F238E27FC236}">
+                <a16:creationId xmlns:a16="http://schemas.microsoft.com/office/drawing/2014/main" id="{90507315-6AFD-4925-A81B-02333A613178}"/>
+              </a:ext>
+            </a:extLst>
+          </p:cNvPr>
+          <p:cNvSpPr/>
+          <p:nvPr/>
+        </p:nvSpPr>
+        <p:spPr>
+          <a:xfrm>
+            <a:off x="1151620" y="1415775"/>
+            <a:ext cx="936104" cy="360040"/>
+          </a:xfrm>
+          <a:prstGeom prst="roundRect">
+            <a:avLst/>
+          </a:prstGeom>
+          <a:solidFill>
+            <a:srgbClr val="FFFF00"/>
+          </a:solidFill>
+        </p:spPr>
+        <p:style>
+          <a:lnRef idx="1">
+            <a:schemeClr val="accent6"/>
+          </a:lnRef>
+          <a:fillRef idx="3">
+            <a:schemeClr val="accent6"/>
+          </a:fillRef>
+          <a:effectRef idx="2">
+            <a:schemeClr val="accent6"/>
+          </a:effectRef>
+          <a:fontRef idx="minor">
+            <a:schemeClr val="lt1"/>
+          </a:fontRef>
+        </p:style>
+        <p:txBody>
+          <a:bodyPr lIns="36000" tIns="0" rIns="36000" bIns="0" rtlCol="0" anchor="ctr"/>
+          <a:lstStyle/>
+          <a:p>
+            <a:pPr algn="ctr"/>
+            <a:r>
+              <a:rPr lang="en-IE" sz="1200" b="1" dirty="0">
+                <a:solidFill>
+                  <a:schemeClr val="tx1"/>
+                </a:solidFill>
+              </a:rPr>
+              <a:t>Password</a:t>
+            </a:r>
+          </a:p>
+        </p:txBody>
+      </p:sp>
+      <p:sp>
+        <p:nvSpPr>
+          <p:cNvPr id="9" name="Rectangle 2">
+            <a:extLst>
+              <a:ext uri="{FF2B5EF4-FFF2-40B4-BE49-F238E27FC236}">
+                <a16:creationId xmlns:a16="http://schemas.microsoft.com/office/drawing/2014/main" id="{65623FDC-6F73-4FF5-9D16-9464AB082329}"/>
+              </a:ext>
+            </a:extLst>
+          </p:cNvPr>
+          <p:cNvSpPr txBox="1">
+            <a:spLocks noChangeArrowheads="1"/>
+          </p:cNvSpPr>
+          <p:nvPr/>
+        </p:nvSpPr>
+        <p:spPr bwMode="auto">
+          <a:xfrm>
+            <a:off x="0" y="790743"/>
+            <a:ext cx="9144000" cy="595994"/>
+          </a:xfrm>
+          <a:prstGeom prst="rect">
+            <a:avLst/>
+          </a:prstGeom>
+          <a:noFill/>
+          <a:ln>
+            <a:noFill/>
+          </a:ln>
+          <a:extLst>
+            <a:ext uri="{909E8E84-426E-40DD-AFC4-6F175D3DCCD1}">
+              <a14:hiddenFill xmlns:a14="http://schemas.microsoft.com/office/drawing/2010/main">
+                <a:solidFill>
+                  <a:srgbClr val="FFFFFF"/>
+                </a:solidFill>
+              </a14:hiddenFill>
+            </a:ext>
+            <a:ext uri="{91240B29-F687-4F45-9708-019B960494DF}">
+              <a14:hiddenLine xmlns:a14="http://schemas.microsoft.com/office/drawing/2010/main" w="9525">
+                <a:solidFill>
+                  <a:srgbClr val="000000"/>
+                </a:solidFill>
+                <a:miter lim="800000"/>
+                <a:headEnd/>
+                <a:tailEnd/>
+              </a14:hiddenLine>
+            </a:ext>
+          </a:extLst>
+        </p:spPr>
+        <p:txBody>
+          <a:bodyPr vert="horz" wrap="square" lIns="91440" tIns="45720" rIns="91440" bIns="45720" numCol="1" anchor="t" anchorCtr="0" compatLnSpc="1">
+            <a:prstTxWarp prst="textNoShape">
+              <a:avLst/>
+            </a:prstTxWarp>
+          </a:bodyPr>
+          <a:lstStyle>
+            <a:lvl1pPr algn="l" rtl="0" eaLnBrk="1" fontAlgn="base" hangingPunct="1">
+              <a:spcBef>
+                <a:spcPct val="0"/>
+              </a:spcBef>
+              <a:spcAft>
+                <a:spcPct val="0"/>
+              </a:spcAft>
+              <a:defRPr sz="4400">
+                <a:solidFill>
+                  <a:schemeClr val="tx2"/>
+                </a:solidFill>
+                <a:latin typeface="+mj-lt"/>
+                <a:ea typeface="+mj-ea"/>
+                <a:cs typeface="+mj-cs"/>
+              </a:defRPr>
+            </a:lvl1pPr>
+            <a:lvl2pPr algn="l" rtl="0" eaLnBrk="1" fontAlgn="base" hangingPunct="1">
+              <a:spcBef>
+                <a:spcPct val="0"/>
+              </a:spcBef>
+              <a:spcAft>
+                <a:spcPct val="0"/>
+              </a:spcAft>
+              <a:defRPr sz="4400">
+                <a:solidFill>
+                  <a:schemeClr val="tx2"/>
+                </a:solidFill>
+                <a:latin typeface="Arial" charset="0"/>
+              </a:defRPr>
+            </a:lvl2pPr>
+            <a:lvl3pPr algn="l" rtl="0" eaLnBrk="1" fontAlgn="base" hangingPunct="1">
+              <a:spcBef>
+                <a:spcPct val="0"/>
+              </a:spcBef>
+              <a:spcAft>
+                <a:spcPct val="0"/>
+              </a:spcAft>
+              <a:defRPr sz="4400">
+                <a:solidFill>
+                  <a:schemeClr val="tx2"/>
+                </a:solidFill>
+                <a:latin typeface="Arial" charset="0"/>
+              </a:defRPr>
+            </a:lvl3pPr>
+            <a:lvl4pPr algn="l" rtl="0" eaLnBrk="1" fontAlgn="base" hangingPunct="1">
+              <a:spcBef>
+                <a:spcPct val="0"/>
+              </a:spcBef>
+              <a:spcAft>
+                <a:spcPct val="0"/>
+              </a:spcAft>
+              <a:defRPr sz="4400">
+                <a:solidFill>
+                  <a:schemeClr val="tx2"/>
+                </a:solidFill>
+                <a:latin typeface="Arial" charset="0"/>
+              </a:defRPr>
+            </a:lvl4pPr>
+            <a:lvl5pPr algn="l" rtl="0" eaLnBrk="1" fontAlgn="base" hangingPunct="1">
+              <a:spcBef>
+                <a:spcPct val="0"/>
+              </a:spcBef>
+              <a:spcAft>
+                <a:spcPct val="0"/>
+              </a:spcAft>
+              <a:defRPr sz="4400">
+                <a:solidFill>
+                  <a:schemeClr val="tx2"/>
+                </a:solidFill>
+                <a:latin typeface="Arial" charset="0"/>
+              </a:defRPr>
+            </a:lvl5pPr>
+            <a:lvl6pPr marL="457200" algn="l" rtl="0" eaLnBrk="1" fontAlgn="base" hangingPunct="1">
+              <a:spcBef>
+                <a:spcPct val="0"/>
+              </a:spcBef>
+              <a:spcAft>
+                <a:spcPct val="0"/>
+              </a:spcAft>
+              <a:defRPr sz="4400">
+                <a:solidFill>
+                  <a:schemeClr val="tx2"/>
+                </a:solidFill>
+                <a:latin typeface="Arial" charset="0"/>
+              </a:defRPr>
+            </a:lvl6pPr>
+            <a:lvl7pPr marL="914400" algn="l" rtl="0" eaLnBrk="1" fontAlgn="base" hangingPunct="1">
+              <a:spcBef>
+                <a:spcPct val="0"/>
+              </a:spcBef>
+              <a:spcAft>
+                <a:spcPct val="0"/>
+              </a:spcAft>
+              <a:defRPr sz="4400">
+                <a:solidFill>
+                  <a:schemeClr val="tx2"/>
+                </a:solidFill>
+                <a:latin typeface="Arial" charset="0"/>
+              </a:defRPr>
+            </a:lvl7pPr>
+            <a:lvl8pPr marL="1371600" algn="l" rtl="0" eaLnBrk="1" fontAlgn="base" hangingPunct="1">
+              <a:spcBef>
+                <a:spcPct val="0"/>
+              </a:spcBef>
+              <a:spcAft>
+                <a:spcPct val="0"/>
+              </a:spcAft>
+              <a:defRPr sz="4400">
+                <a:solidFill>
+                  <a:schemeClr val="tx2"/>
+                </a:solidFill>
+                <a:latin typeface="Arial" charset="0"/>
+              </a:defRPr>
+            </a:lvl8pPr>
+            <a:lvl9pPr marL="1828800" algn="l" rtl="0" eaLnBrk="1" fontAlgn="base" hangingPunct="1">
+              <a:spcBef>
+                <a:spcPct val="0"/>
+              </a:spcBef>
+              <a:spcAft>
+                <a:spcPct val="0"/>
+              </a:spcAft>
+              <a:defRPr sz="4400">
+                <a:solidFill>
+                  <a:schemeClr val="tx2"/>
+                </a:solidFill>
+                <a:latin typeface="Arial" charset="0"/>
+              </a:defRPr>
+            </a:lvl9pPr>
+          </a:lstStyle>
+          <a:p>
+            <a:r>
+              <a:rPr lang="en-IE" sz="1800" b="1" kern="0" dirty="0"/>
+              <a:t>1. Hash the password</a:t>
+            </a:r>
+            <a:endParaRPr lang="en-IE" sz="1800" kern="0" dirty="0"/>
+          </a:p>
+        </p:txBody>
+      </p:sp>
+      <p:sp>
+        <p:nvSpPr>
+          <p:cNvPr id="10" name="Rectangle: Rounded Corners 9">
+            <a:extLst>
+              <a:ext uri="{FF2B5EF4-FFF2-40B4-BE49-F238E27FC236}">
+                <a16:creationId xmlns:a16="http://schemas.microsoft.com/office/drawing/2014/main" id="{EFA5A94C-DE2D-449E-8B3A-6BD54430EA10}"/>
+              </a:ext>
+            </a:extLst>
+          </p:cNvPr>
+          <p:cNvSpPr/>
+          <p:nvPr/>
+        </p:nvSpPr>
+        <p:spPr>
+          <a:xfrm>
+            <a:off x="2591780" y="1415775"/>
+            <a:ext cx="936104" cy="360040"/>
+          </a:xfrm>
+          <a:prstGeom prst="roundRect">
+            <a:avLst/>
+          </a:prstGeom>
+          <a:solidFill>
+            <a:srgbClr val="FFFF00"/>
+          </a:solidFill>
+        </p:spPr>
+        <p:style>
+          <a:lnRef idx="1">
+            <a:schemeClr val="accent6"/>
+          </a:lnRef>
+          <a:fillRef idx="3">
+            <a:schemeClr val="accent6"/>
+          </a:fillRef>
+          <a:effectRef idx="2">
+            <a:schemeClr val="accent6"/>
+          </a:effectRef>
+          <a:fontRef idx="minor">
+            <a:schemeClr val="lt1"/>
+          </a:fontRef>
+        </p:style>
+        <p:txBody>
+          <a:bodyPr lIns="36000" tIns="0" rIns="36000" bIns="0" rtlCol="0" anchor="ctr"/>
+          <a:lstStyle/>
+          <a:p>
+            <a:pPr algn="ctr"/>
+            <a:r>
+              <a:rPr lang="en-IE" sz="1200" b="1" dirty="0">
+                <a:solidFill>
+                  <a:schemeClr val="tx1"/>
+                </a:solidFill>
+              </a:rPr>
+              <a:t>Encode in bytes</a:t>
+            </a:r>
+          </a:p>
+        </p:txBody>
+      </p:sp>
+      <p:cxnSp>
+        <p:nvCxnSpPr>
+          <p:cNvPr id="12" name="Straight Arrow Connector 11">
+            <a:extLst>
+              <a:ext uri="{FF2B5EF4-FFF2-40B4-BE49-F238E27FC236}">
+                <a16:creationId xmlns:a16="http://schemas.microsoft.com/office/drawing/2014/main" id="{48DC9BA3-FC0E-456F-9DC8-D468309C42FF}"/>
+              </a:ext>
+            </a:extLst>
+          </p:cNvPr>
+          <p:cNvCxnSpPr>
+            <a:stCxn id="8" idx="3"/>
+            <a:endCxn id="10" idx="1"/>
+          </p:cNvCxnSpPr>
+          <p:nvPr/>
+        </p:nvCxnSpPr>
+        <p:spPr>
+          <a:xfrm>
+            <a:off x="2087724" y="1595795"/>
+            <a:ext cx="504056" cy="0"/>
+          </a:xfrm>
+          <a:prstGeom prst="straightConnector1">
+            <a:avLst/>
+          </a:prstGeom>
+          <a:ln>
+            <a:solidFill>
+              <a:schemeClr val="tx1"/>
+            </a:solidFill>
+            <a:tailEnd type="triangle"/>
+          </a:ln>
+        </p:spPr>
+        <p:style>
+          <a:lnRef idx="1">
+            <a:schemeClr val="accent1"/>
+          </a:lnRef>
+          <a:fillRef idx="0">
+            <a:schemeClr val="accent1"/>
+          </a:fillRef>
+          <a:effectRef idx="0">
+            <a:schemeClr val="accent1"/>
+          </a:effectRef>
+          <a:fontRef idx="minor">
+            <a:schemeClr val="tx1"/>
+          </a:fontRef>
+        </p:style>
+      </p:cxnSp>
+      <p:sp>
+        <p:nvSpPr>
+          <p:cNvPr id="13" name="Rectangle: Rounded Corners 12">
+            <a:extLst>
+              <a:ext uri="{FF2B5EF4-FFF2-40B4-BE49-F238E27FC236}">
+                <a16:creationId xmlns:a16="http://schemas.microsoft.com/office/drawing/2014/main" id="{9F9DDE4D-2982-4412-8C30-862C091E5D06}"/>
+              </a:ext>
+            </a:extLst>
+          </p:cNvPr>
+          <p:cNvSpPr/>
+          <p:nvPr/>
+        </p:nvSpPr>
+        <p:spPr>
+          <a:xfrm>
+            <a:off x="4031940" y="1415775"/>
+            <a:ext cx="2304256" cy="360040"/>
+          </a:xfrm>
+          <a:prstGeom prst="roundRect">
+            <a:avLst/>
+          </a:prstGeom>
+          <a:solidFill>
+            <a:srgbClr val="FFFF00"/>
+          </a:solidFill>
+        </p:spPr>
+        <p:style>
+          <a:lnRef idx="1">
+            <a:schemeClr val="accent6"/>
+          </a:lnRef>
+          <a:fillRef idx="3">
+            <a:schemeClr val="accent6"/>
+          </a:fillRef>
+          <a:effectRef idx="2">
+            <a:schemeClr val="accent6"/>
+          </a:effectRef>
+          <a:fontRef idx="minor">
+            <a:schemeClr val="lt1"/>
+          </a:fontRef>
+        </p:style>
+        <p:txBody>
+          <a:bodyPr lIns="36000" tIns="0" rIns="36000" bIns="0" rtlCol="0" anchor="ctr"/>
+          <a:lstStyle/>
+          <a:p>
+            <a:pPr algn="ctr"/>
+            <a:r>
+              <a:rPr lang="en-IE" sz="1200" b="1" dirty="0">
+                <a:solidFill>
+                  <a:schemeClr val="tx1"/>
+                </a:solidFill>
+              </a:rPr>
+              <a:t>Hash encoded byte password using </a:t>
+            </a:r>
+            <a:r>
+              <a:rPr lang="en-IE" sz="1200" b="1" dirty="0" err="1">
+                <a:solidFill>
+                  <a:srgbClr val="FF0000"/>
+                </a:solidFill>
+              </a:rPr>
+              <a:t>MessageDigest</a:t>
+            </a:r>
+            <a:r>
+              <a:rPr lang="en-IE" sz="1200" b="1" dirty="0">
+                <a:solidFill>
+                  <a:schemeClr val="tx1"/>
+                </a:solidFill>
+              </a:rPr>
+              <a:t> class</a:t>
+            </a:r>
+          </a:p>
+        </p:txBody>
+      </p:sp>
+      <p:cxnSp>
+        <p:nvCxnSpPr>
+          <p:cNvPr id="14" name="Straight Arrow Connector 13">
+            <a:extLst>
+              <a:ext uri="{FF2B5EF4-FFF2-40B4-BE49-F238E27FC236}">
+                <a16:creationId xmlns:a16="http://schemas.microsoft.com/office/drawing/2014/main" id="{3FB8FB5B-5608-4D57-9FDD-42E4CD68F9EC}"/>
+              </a:ext>
+            </a:extLst>
+          </p:cNvPr>
+          <p:cNvCxnSpPr>
+            <a:cxnSpLocks/>
+            <a:stCxn id="10" idx="3"/>
+            <a:endCxn id="13" idx="1"/>
+          </p:cNvCxnSpPr>
+          <p:nvPr/>
+        </p:nvCxnSpPr>
+        <p:spPr>
+          <a:xfrm>
+            <a:off x="3527884" y="1595795"/>
+            <a:ext cx="504056" cy="0"/>
+          </a:xfrm>
+          <a:prstGeom prst="straightConnector1">
+            <a:avLst/>
+          </a:prstGeom>
+          <a:ln>
+            <a:solidFill>
+              <a:schemeClr val="tx1"/>
+            </a:solidFill>
+            <a:tailEnd type="triangle"/>
+          </a:ln>
+        </p:spPr>
+        <p:style>
+          <a:lnRef idx="1">
+            <a:schemeClr val="accent1"/>
+          </a:lnRef>
+          <a:fillRef idx="0">
+            <a:schemeClr val="accent1"/>
+          </a:fillRef>
+          <a:effectRef idx="0">
+            <a:schemeClr val="accent1"/>
+          </a:effectRef>
+          <a:fontRef idx="minor">
+            <a:schemeClr val="tx1"/>
+          </a:fontRef>
+        </p:style>
+      </p:cxnSp>
+      <p:sp>
+        <p:nvSpPr>
+          <p:cNvPr id="17" name="Rectangle: Rounded Corners 16">
+            <a:extLst>
+              <a:ext uri="{FF2B5EF4-FFF2-40B4-BE49-F238E27FC236}">
+                <a16:creationId xmlns:a16="http://schemas.microsoft.com/office/drawing/2014/main" id="{092A41E6-6880-4EDE-9BA2-CABC63D04827}"/>
+              </a:ext>
+            </a:extLst>
+          </p:cNvPr>
+          <p:cNvSpPr/>
+          <p:nvPr/>
+        </p:nvSpPr>
+        <p:spPr>
+          <a:xfrm>
+            <a:off x="6840252" y="1415775"/>
+            <a:ext cx="1224136" cy="360040"/>
+          </a:xfrm>
+          <a:prstGeom prst="roundRect">
+            <a:avLst/>
+          </a:prstGeom>
+          <a:solidFill>
+            <a:srgbClr val="FFFF00"/>
+          </a:solidFill>
+        </p:spPr>
+        <p:style>
+          <a:lnRef idx="1">
+            <a:schemeClr val="accent6"/>
+          </a:lnRef>
+          <a:fillRef idx="3">
+            <a:schemeClr val="accent6"/>
+          </a:fillRef>
+          <a:effectRef idx="2">
+            <a:schemeClr val="accent6"/>
+          </a:effectRef>
+          <a:fontRef idx="minor">
+            <a:schemeClr val="lt1"/>
+          </a:fontRef>
+        </p:style>
+        <p:txBody>
+          <a:bodyPr lIns="36000" tIns="0" rIns="36000" bIns="0" rtlCol="0" anchor="ctr"/>
+          <a:lstStyle/>
+          <a:p>
+            <a:pPr algn="ctr"/>
+            <a:r>
+              <a:rPr lang="en-IE" sz="1200" b="1" dirty="0">
+                <a:solidFill>
+                  <a:schemeClr val="tx1"/>
+                </a:solidFill>
+              </a:rPr>
+              <a:t>Creates 256 bit byte array</a:t>
+            </a:r>
+          </a:p>
+        </p:txBody>
+      </p:sp>
+      <p:cxnSp>
+        <p:nvCxnSpPr>
+          <p:cNvPr id="18" name="Straight Arrow Connector 17">
+            <a:extLst>
+              <a:ext uri="{FF2B5EF4-FFF2-40B4-BE49-F238E27FC236}">
+                <a16:creationId xmlns:a16="http://schemas.microsoft.com/office/drawing/2014/main" id="{9CB49744-1845-4DF1-9DC1-1D83B0B9C22C}"/>
+              </a:ext>
+            </a:extLst>
+          </p:cNvPr>
+          <p:cNvCxnSpPr>
+            <a:cxnSpLocks/>
+            <a:stCxn id="13" idx="3"/>
+            <a:endCxn id="17" idx="1"/>
+          </p:cNvCxnSpPr>
+          <p:nvPr/>
+        </p:nvCxnSpPr>
+        <p:spPr>
+          <a:xfrm>
+            <a:off x="6336196" y="1595795"/>
+            <a:ext cx="504056" cy="0"/>
+          </a:xfrm>
+          <a:prstGeom prst="straightConnector1">
+            <a:avLst/>
+          </a:prstGeom>
+          <a:ln>
+            <a:solidFill>
+              <a:schemeClr val="tx1"/>
+            </a:solidFill>
+            <a:tailEnd type="triangle"/>
+          </a:ln>
+        </p:spPr>
+        <p:style>
+          <a:lnRef idx="1">
+            <a:schemeClr val="accent1"/>
+          </a:lnRef>
+          <a:fillRef idx="0">
+            <a:schemeClr val="accent1"/>
+          </a:fillRef>
+          <a:effectRef idx="0">
+            <a:schemeClr val="accent1"/>
+          </a:effectRef>
+          <a:fontRef idx="minor">
+            <a:schemeClr val="tx1"/>
+          </a:fontRef>
+        </p:style>
+      </p:cxnSp>
+      <p:sp>
+        <p:nvSpPr>
+          <p:cNvPr id="21" name="Rectangle 2">
+            <a:extLst>
+              <a:ext uri="{FF2B5EF4-FFF2-40B4-BE49-F238E27FC236}">
+                <a16:creationId xmlns:a16="http://schemas.microsoft.com/office/drawing/2014/main" id="{019A28B0-0406-4214-A109-B2EAE5254FC3}"/>
+              </a:ext>
+            </a:extLst>
+          </p:cNvPr>
+          <p:cNvSpPr txBox="1">
+            <a:spLocks noChangeArrowheads="1"/>
+          </p:cNvSpPr>
+          <p:nvPr/>
+        </p:nvSpPr>
+        <p:spPr bwMode="auto">
+          <a:xfrm>
+            <a:off x="0" y="2204864"/>
+            <a:ext cx="9144000" cy="595994"/>
+          </a:xfrm>
+          <a:prstGeom prst="rect">
+            <a:avLst/>
+          </a:prstGeom>
+          <a:noFill/>
+          <a:ln>
+            <a:noFill/>
+          </a:ln>
+          <a:extLst>
+            <a:ext uri="{909E8E84-426E-40DD-AFC4-6F175D3DCCD1}">
+              <a14:hiddenFill xmlns:a14="http://schemas.microsoft.com/office/drawing/2010/main">
+                <a:solidFill>
+                  <a:srgbClr val="FFFFFF"/>
+                </a:solidFill>
+              </a14:hiddenFill>
+            </a:ext>
+            <a:ext uri="{91240B29-F687-4F45-9708-019B960494DF}">
+              <a14:hiddenLine xmlns:a14="http://schemas.microsoft.com/office/drawing/2010/main" w="9525">
+                <a:solidFill>
+                  <a:srgbClr val="000000"/>
+                </a:solidFill>
+                <a:miter lim="800000"/>
+                <a:headEnd/>
+                <a:tailEnd/>
+              </a14:hiddenLine>
+            </a:ext>
+          </a:extLst>
+        </p:spPr>
+        <p:txBody>
+          <a:bodyPr vert="horz" wrap="square" lIns="91440" tIns="45720" rIns="91440" bIns="45720" numCol="1" anchor="t" anchorCtr="0" compatLnSpc="1">
+            <a:prstTxWarp prst="textNoShape">
+              <a:avLst/>
+            </a:prstTxWarp>
+          </a:bodyPr>
+          <a:lstStyle>
+            <a:lvl1pPr algn="l" rtl="0" eaLnBrk="1" fontAlgn="base" hangingPunct="1">
+              <a:spcBef>
+                <a:spcPct val="0"/>
+              </a:spcBef>
+              <a:spcAft>
+                <a:spcPct val="0"/>
+              </a:spcAft>
+              <a:defRPr sz="4400">
+                <a:solidFill>
+                  <a:schemeClr val="tx2"/>
+                </a:solidFill>
+                <a:latin typeface="+mj-lt"/>
+                <a:ea typeface="+mj-ea"/>
+                <a:cs typeface="+mj-cs"/>
+              </a:defRPr>
+            </a:lvl1pPr>
+            <a:lvl2pPr algn="l" rtl="0" eaLnBrk="1" fontAlgn="base" hangingPunct="1">
+              <a:spcBef>
+                <a:spcPct val="0"/>
+              </a:spcBef>
+              <a:spcAft>
+                <a:spcPct val="0"/>
+              </a:spcAft>
+              <a:defRPr sz="4400">
+                <a:solidFill>
+                  <a:schemeClr val="tx2"/>
+                </a:solidFill>
+                <a:latin typeface="Arial" charset="0"/>
+              </a:defRPr>
+            </a:lvl2pPr>
+            <a:lvl3pPr algn="l" rtl="0" eaLnBrk="1" fontAlgn="base" hangingPunct="1">
+              <a:spcBef>
+                <a:spcPct val="0"/>
+              </a:spcBef>
+              <a:spcAft>
+                <a:spcPct val="0"/>
+              </a:spcAft>
+              <a:defRPr sz="4400">
+                <a:solidFill>
+                  <a:schemeClr val="tx2"/>
+                </a:solidFill>
+                <a:latin typeface="Arial" charset="0"/>
+              </a:defRPr>
+            </a:lvl3pPr>
+            <a:lvl4pPr algn="l" rtl="0" eaLnBrk="1" fontAlgn="base" hangingPunct="1">
+              <a:spcBef>
+                <a:spcPct val="0"/>
+              </a:spcBef>
+              <a:spcAft>
+                <a:spcPct val="0"/>
+              </a:spcAft>
+              <a:defRPr sz="4400">
+                <a:solidFill>
+                  <a:schemeClr val="tx2"/>
+                </a:solidFill>
+                <a:latin typeface="Arial" charset="0"/>
+              </a:defRPr>
+            </a:lvl4pPr>
+            <a:lvl5pPr algn="l" rtl="0" eaLnBrk="1" fontAlgn="base" hangingPunct="1">
+              <a:spcBef>
+                <a:spcPct val="0"/>
+              </a:spcBef>
+              <a:spcAft>
+                <a:spcPct val="0"/>
+              </a:spcAft>
+              <a:defRPr sz="4400">
+                <a:solidFill>
+                  <a:schemeClr val="tx2"/>
+                </a:solidFill>
+                <a:latin typeface="Arial" charset="0"/>
+              </a:defRPr>
+            </a:lvl5pPr>
+            <a:lvl6pPr marL="457200" algn="l" rtl="0" eaLnBrk="1" fontAlgn="base" hangingPunct="1">
+              <a:spcBef>
+                <a:spcPct val="0"/>
+              </a:spcBef>
+              <a:spcAft>
+                <a:spcPct val="0"/>
+              </a:spcAft>
+              <a:defRPr sz="4400">
+                <a:solidFill>
+                  <a:schemeClr val="tx2"/>
+                </a:solidFill>
+                <a:latin typeface="Arial" charset="0"/>
+              </a:defRPr>
+            </a:lvl6pPr>
+            <a:lvl7pPr marL="914400" algn="l" rtl="0" eaLnBrk="1" fontAlgn="base" hangingPunct="1">
+              <a:spcBef>
+                <a:spcPct val="0"/>
+              </a:spcBef>
+              <a:spcAft>
+                <a:spcPct val="0"/>
+              </a:spcAft>
+              <a:defRPr sz="4400">
+                <a:solidFill>
+                  <a:schemeClr val="tx2"/>
+                </a:solidFill>
+                <a:latin typeface="Arial" charset="0"/>
+              </a:defRPr>
+            </a:lvl7pPr>
+            <a:lvl8pPr marL="1371600" algn="l" rtl="0" eaLnBrk="1" fontAlgn="base" hangingPunct="1">
+              <a:spcBef>
+                <a:spcPct val="0"/>
+              </a:spcBef>
+              <a:spcAft>
+                <a:spcPct val="0"/>
+              </a:spcAft>
+              <a:defRPr sz="4400">
+                <a:solidFill>
+                  <a:schemeClr val="tx2"/>
+                </a:solidFill>
+                <a:latin typeface="Arial" charset="0"/>
+              </a:defRPr>
+            </a:lvl8pPr>
+            <a:lvl9pPr marL="1828800" algn="l" rtl="0" eaLnBrk="1" fontAlgn="base" hangingPunct="1">
+              <a:spcBef>
+                <a:spcPct val="0"/>
+              </a:spcBef>
+              <a:spcAft>
+                <a:spcPct val="0"/>
+              </a:spcAft>
+              <a:defRPr sz="4400">
+                <a:solidFill>
+                  <a:schemeClr val="tx2"/>
+                </a:solidFill>
+                <a:latin typeface="Arial" charset="0"/>
+              </a:defRPr>
+            </a:lvl9pPr>
+          </a:lstStyle>
+          <a:p>
+            <a:r>
+              <a:rPr lang="en-IE" sz="1800" b="1" kern="0" dirty="0"/>
+              <a:t>2. Create the encrypted file</a:t>
+            </a:r>
+            <a:endParaRPr lang="en-IE" sz="1800" kern="0" dirty="0"/>
+          </a:p>
+        </p:txBody>
+      </p:sp>
+      <p:sp>
+        <p:nvSpPr>
+          <p:cNvPr id="22" name="Rectangle: Rounded Corners 21">
+            <a:extLst>
+              <a:ext uri="{FF2B5EF4-FFF2-40B4-BE49-F238E27FC236}">
+                <a16:creationId xmlns:a16="http://schemas.microsoft.com/office/drawing/2014/main" id="{0801A745-DBE4-4297-9004-EF75F945D9BE}"/>
+              </a:ext>
+            </a:extLst>
+          </p:cNvPr>
+          <p:cNvSpPr/>
+          <p:nvPr/>
+        </p:nvSpPr>
+        <p:spPr>
+          <a:xfrm>
+            <a:off x="1151620" y="2800858"/>
+            <a:ext cx="2232248" cy="360040"/>
+          </a:xfrm>
+          <a:prstGeom prst="roundRect">
+            <a:avLst/>
+          </a:prstGeom>
+          <a:solidFill>
+            <a:srgbClr val="FFFF00"/>
+          </a:solidFill>
+        </p:spPr>
+        <p:style>
+          <a:lnRef idx="1">
+            <a:schemeClr val="accent6"/>
+          </a:lnRef>
+          <a:fillRef idx="3">
+            <a:schemeClr val="accent6"/>
+          </a:fillRef>
+          <a:effectRef idx="2">
+            <a:schemeClr val="accent6"/>
+          </a:effectRef>
+          <a:fontRef idx="minor">
+            <a:schemeClr val="lt1"/>
+          </a:fontRef>
+        </p:style>
+        <p:txBody>
+          <a:bodyPr lIns="36000" tIns="0" rIns="36000" bIns="0" rtlCol="0" anchor="ctr"/>
+          <a:lstStyle/>
+          <a:p>
+            <a:pPr algn="ctr"/>
+            <a:r>
+              <a:rPr lang="en-IE" sz="1200" b="1" dirty="0">
+                <a:solidFill>
+                  <a:schemeClr val="tx1"/>
+                </a:solidFill>
+              </a:rPr>
+              <a:t>Create new, empty output file (</a:t>
+            </a:r>
+            <a:r>
+              <a:rPr lang="en-IE" sz="1200" b="1" dirty="0" err="1">
+                <a:solidFill>
+                  <a:srgbClr val="FF0000"/>
+                </a:solidFill>
+              </a:rPr>
+              <a:t>FileOutputStream</a:t>
+            </a:r>
+            <a:r>
+              <a:rPr lang="en-IE" sz="1200" b="1" dirty="0">
+                <a:solidFill>
+                  <a:schemeClr val="tx1"/>
+                </a:solidFill>
+              </a:rPr>
+              <a:t>)</a:t>
+            </a:r>
+          </a:p>
+        </p:txBody>
+      </p:sp>
+      <p:sp>
+        <p:nvSpPr>
+          <p:cNvPr id="23" name="Rectangle: Rounded Corners 22">
+            <a:extLst>
+              <a:ext uri="{FF2B5EF4-FFF2-40B4-BE49-F238E27FC236}">
+                <a16:creationId xmlns:a16="http://schemas.microsoft.com/office/drawing/2014/main" id="{E1148BF9-91D1-4C50-888C-7F4E0EF73B0D}"/>
+              </a:ext>
+            </a:extLst>
+          </p:cNvPr>
+          <p:cNvSpPr/>
+          <p:nvPr/>
+        </p:nvSpPr>
+        <p:spPr>
+          <a:xfrm>
+            <a:off x="3707904" y="2800858"/>
+            <a:ext cx="1764196" cy="360040"/>
+          </a:xfrm>
+          <a:prstGeom prst="roundRect">
+            <a:avLst/>
+          </a:prstGeom>
+          <a:solidFill>
+            <a:srgbClr val="FFFF00"/>
+          </a:solidFill>
+        </p:spPr>
+        <p:style>
+          <a:lnRef idx="1">
+            <a:schemeClr val="accent6"/>
+          </a:lnRef>
+          <a:fillRef idx="3">
+            <a:schemeClr val="accent6"/>
+          </a:fillRef>
+          <a:effectRef idx="2">
+            <a:schemeClr val="accent6"/>
+          </a:effectRef>
+          <a:fontRef idx="minor">
+            <a:schemeClr val="lt1"/>
+          </a:fontRef>
+        </p:style>
+        <p:txBody>
+          <a:bodyPr lIns="36000" tIns="0" rIns="36000" bIns="0" rtlCol="0" anchor="ctr"/>
+          <a:lstStyle/>
+          <a:p>
+            <a:pPr algn="ctr"/>
+            <a:r>
+              <a:rPr lang="en-IE" sz="1200" b="1" dirty="0">
+                <a:solidFill>
+                  <a:schemeClr val="tx1"/>
+                </a:solidFill>
+              </a:rPr>
+              <a:t>Use hashed password as first 128 chars</a:t>
+            </a:r>
+          </a:p>
+        </p:txBody>
+      </p:sp>
+      <p:cxnSp>
+        <p:nvCxnSpPr>
+          <p:cNvPr id="24" name="Straight Arrow Connector 23">
+            <a:extLst>
+              <a:ext uri="{FF2B5EF4-FFF2-40B4-BE49-F238E27FC236}">
+                <a16:creationId xmlns:a16="http://schemas.microsoft.com/office/drawing/2014/main" id="{C3248FF5-0A16-4AEA-8697-132B0B05A1F0}"/>
+              </a:ext>
+            </a:extLst>
+          </p:cNvPr>
+          <p:cNvCxnSpPr>
+            <a:cxnSpLocks/>
+            <a:stCxn id="22" idx="3"/>
+            <a:endCxn id="23" idx="1"/>
+          </p:cNvCxnSpPr>
+          <p:nvPr/>
+        </p:nvCxnSpPr>
+        <p:spPr>
+          <a:xfrm>
+            <a:off x="3383868" y="2980878"/>
+            <a:ext cx="324036" cy="0"/>
+          </a:xfrm>
+          <a:prstGeom prst="straightConnector1">
+            <a:avLst/>
+          </a:prstGeom>
+          <a:ln>
+            <a:solidFill>
+              <a:schemeClr val="tx1"/>
+            </a:solidFill>
+            <a:tailEnd type="triangle"/>
+          </a:ln>
+        </p:spPr>
+        <p:style>
+          <a:lnRef idx="1">
+            <a:schemeClr val="accent1"/>
+          </a:lnRef>
+          <a:fillRef idx="0">
+            <a:schemeClr val="accent1"/>
+          </a:fillRef>
+          <a:effectRef idx="0">
+            <a:schemeClr val="accent1"/>
+          </a:effectRef>
+          <a:fontRef idx="minor">
+            <a:schemeClr val="tx1"/>
+          </a:fontRef>
+        </p:style>
+      </p:cxnSp>
+      <p:sp>
+        <p:nvSpPr>
+          <p:cNvPr id="25" name="Rectangle: Rounded Corners 24">
+            <a:extLst>
+              <a:ext uri="{FF2B5EF4-FFF2-40B4-BE49-F238E27FC236}">
+                <a16:creationId xmlns:a16="http://schemas.microsoft.com/office/drawing/2014/main" id="{13861018-4A72-4244-A712-8CBABE4041F0}"/>
+              </a:ext>
+            </a:extLst>
+          </p:cNvPr>
+          <p:cNvSpPr/>
+          <p:nvPr/>
+        </p:nvSpPr>
+        <p:spPr>
+          <a:xfrm>
+            <a:off x="5796136" y="2800858"/>
+            <a:ext cx="2304256" cy="360040"/>
+          </a:xfrm>
+          <a:prstGeom prst="roundRect">
+            <a:avLst/>
+          </a:prstGeom>
+          <a:solidFill>
+            <a:srgbClr val="FFFF00"/>
+          </a:solidFill>
+        </p:spPr>
+        <p:style>
+          <a:lnRef idx="1">
+            <a:schemeClr val="accent6"/>
+          </a:lnRef>
+          <a:fillRef idx="3">
+            <a:schemeClr val="accent6"/>
+          </a:fillRef>
+          <a:effectRef idx="2">
+            <a:schemeClr val="accent6"/>
+          </a:effectRef>
+          <a:fontRef idx="minor">
+            <a:schemeClr val="lt1"/>
+          </a:fontRef>
+        </p:style>
+        <p:txBody>
+          <a:bodyPr lIns="36000" tIns="0" rIns="36000" bIns="0" rtlCol="0" anchor="ctr"/>
+          <a:lstStyle/>
+          <a:p>
+            <a:pPr algn="ctr"/>
+            <a:r>
+              <a:rPr lang="en-IE" sz="1200" b="1" dirty="0">
+                <a:solidFill>
+                  <a:schemeClr val="tx1"/>
+                </a:solidFill>
+              </a:rPr>
+              <a:t>Read input file into byte array using </a:t>
+            </a:r>
+            <a:r>
+              <a:rPr lang="en-IE" sz="1200" b="1" dirty="0" err="1">
+                <a:solidFill>
+                  <a:srgbClr val="FF0000"/>
+                </a:solidFill>
+              </a:rPr>
+              <a:t>BufferedInputStream</a:t>
+            </a:r>
+            <a:endParaRPr lang="en-IE" sz="1200" b="1" dirty="0">
+              <a:solidFill>
+                <a:srgbClr val="FF0000"/>
+              </a:solidFill>
+            </a:endParaRPr>
+          </a:p>
+        </p:txBody>
+      </p:sp>
+      <p:cxnSp>
+        <p:nvCxnSpPr>
+          <p:cNvPr id="26" name="Straight Arrow Connector 25">
+            <a:extLst>
+              <a:ext uri="{FF2B5EF4-FFF2-40B4-BE49-F238E27FC236}">
+                <a16:creationId xmlns:a16="http://schemas.microsoft.com/office/drawing/2014/main" id="{B8D5259F-A4BD-49A4-BD86-3179D90B34C8}"/>
+              </a:ext>
+            </a:extLst>
+          </p:cNvPr>
+          <p:cNvCxnSpPr>
+            <a:cxnSpLocks/>
+            <a:stCxn id="23" idx="3"/>
+            <a:endCxn id="25" idx="1"/>
+          </p:cNvCxnSpPr>
+          <p:nvPr/>
+        </p:nvCxnSpPr>
+        <p:spPr>
+          <a:xfrm>
+            <a:off x="5472100" y="2980878"/>
+            <a:ext cx="324036" cy="0"/>
+          </a:xfrm>
+          <a:prstGeom prst="straightConnector1">
+            <a:avLst/>
+          </a:prstGeom>
+          <a:ln>
+            <a:solidFill>
+              <a:schemeClr val="tx1"/>
+            </a:solidFill>
+            <a:tailEnd type="triangle"/>
+          </a:ln>
+        </p:spPr>
+        <p:style>
+          <a:lnRef idx="1">
+            <a:schemeClr val="accent1"/>
+          </a:lnRef>
+          <a:fillRef idx="0">
+            <a:schemeClr val="accent1"/>
+          </a:fillRef>
+          <a:effectRef idx="0">
+            <a:schemeClr val="accent1"/>
+          </a:effectRef>
+          <a:fontRef idx="minor">
+            <a:schemeClr val="tx1"/>
+          </a:fontRef>
+        </p:style>
+      </p:cxnSp>
+      <p:sp>
+        <p:nvSpPr>
+          <p:cNvPr id="27" name="Rectangle: Rounded Corners 26">
+            <a:extLst>
+              <a:ext uri="{FF2B5EF4-FFF2-40B4-BE49-F238E27FC236}">
+                <a16:creationId xmlns:a16="http://schemas.microsoft.com/office/drawing/2014/main" id="{ADD565D2-C596-4D05-A041-634417C53DCE}"/>
+              </a:ext>
+            </a:extLst>
+          </p:cNvPr>
+          <p:cNvSpPr/>
+          <p:nvPr/>
+        </p:nvSpPr>
+        <p:spPr>
+          <a:xfrm>
+            <a:off x="1136872" y="3618985"/>
+            <a:ext cx="1670932" cy="360040"/>
+          </a:xfrm>
+          <a:prstGeom prst="roundRect">
+            <a:avLst/>
+          </a:prstGeom>
+          <a:solidFill>
+            <a:srgbClr val="FFFF00"/>
+          </a:solidFill>
+        </p:spPr>
+        <p:style>
+          <a:lnRef idx="1">
+            <a:schemeClr val="accent6"/>
+          </a:lnRef>
+          <a:fillRef idx="3">
+            <a:schemeClr val="accent6"/>
+          </a:fillRef>
+          <a:effectRef idx="2">
+            <a:schemeClr val="accent6"/>
+          </a:effectRef>
+          <a:fontRef idx="minor">
+            <a:schemeClr val="lt1"/>
+          </a:fontRef>
+        </p:style>
+        <p:txBody>
+          <a:bodyPr lIns="36000" tIns="0" rIns="36000" bIns="0" rtlCol="0" anchor="ctr"/>
+          <a:lstStyle/>
+          <a:p>
+            <a:pPr algn="ctr"/>
+            <a:r>
+              <a:rPr lang="en-IE" sz="1200" b="1" dirty="0">
+                <a:solidFill>
+                  <a:schemeClr val="tx1"/>
+                </a:solidFill>
+              </a:rPr>
+              <a:t>Write byte array to output file</a:t>
+            </a:r>
+          </a:p>
+        </p:txBody>
+      </p:sp>
+      <p:cxnSp>
+        <p:nvCxnSpPr>
+          <p:cNvPr id="28" name="Straight Arrow Connector 27">
+            <a:extLst>
+              <a:ext uri="{FF2B5EF4-FFF2-40B4-BE49-F238E27FC236}">
+                <a16:creationId xmlns:a16="http://schemas.microsoft.com/office/drawing/2014/main" id="{D5508D7F-934C-47FD-8323-58B56BE8C61B}"/>
+              </a:ext>
+            </a:extLst>
+          </p:cNvPr>
+          <p:cNvCxnSpPr>
+            <a:cxnSpLocks/>
+            <a:stCxn id="25" idx="3"/>
+            <a:endCxn id="27" idx="1"/>
+          </p:cNvCxnSpPr>
+          <p:nvPr/>
+        </p:nvCxnSpPr>
+        <p:spPr>
+          <a:xfrm flipH="1">
+            <a:off x="1136872" y="2980878"/>
+            <a:ext cx="6963520" cy="818127"/>
+          </a:xfrm>
+          <a:prstGeom prst="bentConnector5">
+            <a:avLst>
+              <a:gd name="adj1" fmla="val -3283"/>
+              <a:gd name="adj2" fmla="val 50000"/>
+              <a:gd name="adj3" fmla="val 103283"/>
+            </a:avLst>
+          </a:prstGeom>
+          <a:ln>
+            <a:solidFill>
+              <a:schemeClr val="tx1"/>
+            </a:solidFill>
+            <a:tailEnd type="triangle"/>
+          </a:ln>
+        </p:spPr>
+        <p:style>
+          <a:lnRef idx="1">
+            <a:schemeClr val="accent1"/>
+          </a:lnRef>
+          <a:fillRef idx="0">
+            <a:schemeClr val="accent1"/>
+          </a:fillRef>
+          <a:effectRef idx="0">
+            <a:schemeClr val="accent1"/>
+          </a:effectRef>
+          <a:fontRef idx="minor">
+            <a:schemeClr val="tx1"/>
+          </a:fontRef>
+        </p:style>
+      </p:cxnSp>
+      <p:sp>
+        <p:nvSpPr>
+          <p:cNvPr id="48" name="Rectangle: Rounded Corners 47">
+            <a:extLst>
+              <a:ext uri="{FF2B5EF4-FFF2-40B4-BE49-F238E27FC236}">
+                <a16:creationId xmlns:a16="http://schemas.microsoft.com/office/drawing/2014/main" id="{035C30E2-7B4B-4210-8EE7-7559C0E5C9C5}"/>
+              </a:ext>
+            </a:extLst>
+          </p:cNvPr>
+          <p:cNvSpPr/>
+          <p:nvPr/>
+        </p:nvSpPr>
+        <p:spPr>
+          <a:xfrm>
+            <a:off x="3149842" y="3618985"/>
+            <a:ext cx="1764196" cy="360040"/>
+          </a:xfrm>
+          <a:prstGeom prst="roundRect">
+            <a:avLst/>
+          </a:prstGeom>
+          <a:solidFill>
+            <a:srgbClr val="FFFF00"/>
+          </a:solidFill>
+        </p:spPr>
+        <p:style>
+          <a:lnRef idx="1">
+            <a:schemeClr val="accent6"/>
+          </a:lnRef>
+          <a:fillRef idx="3">
+            <a:schemeClr val="accent6"/>
+          </a:fillRef>
+          <a:effectRef idx="2">
+            <a:schemeClr val="accent6"/>
+          </a:effectRef>
+          <a:fontRef idx="minor">
+            <a:schemeClr val="lt1"/>
+          </a:fontRef>
+        </p:style>
+        <p:txBody>
+          <a:bodyPr lIns="36000" tIns="0" rIns="36000" bIns="0" rtlCol="0" anchor="ctr"/>
+          <a:lstStyle/>
+          <a:p>
+            <a:pPr algn="ctr"/>
+            <a:r>
+              <a:rPr lang="en-IE" sz="1200" b="1" dirty="0">
+                <a:solidFill>
+                  <a:schemeClr val="tx1"/>
+                </a:solidFill>
+              </a:rPr>
+              <a:t>Save output file with .crypt extension</a:t>
+            </a:r>
+          </a:p>
+        </p:txBody>
+      </p:sp>
+      <p:cxnSp>
+        <p:nvCxnSpPr>
+          <p:cNvPr id="49" name="Straight Arrow Connector 48">
+            <a:extLst>
+              <a:ext uri="{FF2B5EF4-FFF2-40B4-BE49-F238E27FC236}">
+                <a16:creationId xmlns:a16="http://schemas.microsoft.com/office/drawing/2014/main" id="{4DC1F781-A0D0-4C5A-8151-B316FC77FABD}"/>
+              </a:ext>
+            </a:extLst>
+          </p:cNvPr>
+          <p:cNvCxnSpPr>
+            <a:cxnSpLocks/>
+            <a:stCxn id="27" idx="3"/>
+            <a:endCxn id="48" idx="1"/>
+          </p:cNvCxnSpPr>
+          <p:nvPr/>
+        </p:nvCxnSpPr>
+        <p:spPr>
+          <a:xfrm>
+            <a:off x="2807804" y="3799005"/>
+            <a:ext cx="342038" cy="0"/>
+          </a:xfrm>
+          <a:prstGeom prst="straightConnector1">
+            <a:avLst/>
+          </a:prstGeom>
+          <a:ln>
+            <a:solidFill>
+              <a:schemeClr val="tx1"/>
+            </a:solidFill>
+            <a:tailEnd type="triangle"/>
+          </a:ln>
+        </p:spPr>
+        <p:style>
+          <a:lnRef idx="1">
+            <a:schemeClr val="accent1"/>
+          </a:lnRef>
+          <a:fillRef idx="0">
+            <a:schemeClr val="accent1"/>
+          </a:fillRef>
+          <a:effectRef idx="0">
+            <a:schemeClr val="accent1"/>
+          </a:effectRef>
+          <a:fontRef idx="minor">
+            <a:schemeClr val="tx1"/>
+          </a:fontRef>
+        </p:style>
+      </p:cxnSp>
+      <p:sp>
+        <p:nvSpPr>
+          <p:cNvPr id="51" name="Rectangle: Rounded Corners 50">
+            <a:extLst>
+              <a:ext uri="{FF2B5EF4-FFF2-40B4-BE49-F238E27FC236}">
+                <a16:creationId xmlns:a16="http://schemas.microsoft.com/office/drawing/2014/main" id="{18CDF1C6-76B6-44CF-A99C-A86EBFB48FFA}"/>
+              </a:ext>
+            </a:extLst>
+          </p:cNvPr>
+          <p:cNvSpPr/>
+          <p:nvPr/>
+        </p:nvSpPr>
+        <p:spPr>
+          <a:xfrm>
+            <a:off x="5256076" y="3618985"/>
+            <a:ext cx="1764196" cy="360040"/>
+          </a:xfrm>
+          <a:prstGeom prst="roundRect">
+            <a:avLst/>
+          </a:prstGeom>
+          <a:solidFill>
+            <a:srgbClr val="FFFF00"/>
+          </a:solidFill>
+        </p:spPr>
+        <p:style>
+          <a:lnRef idx="1">
+            <a:schemeClr val="accent6"/>
+          </a:lnRef>
+          <a:fillRef idx="3">
+            <a:schemeClr val="accent6"/>
+          </a:fillRef>
+          <a:effectRef idx="2">
+            <a:schemeClr val="accent6"/>
+          </a:effectRef>
+          <a:fontRef idx="minor">
+            <a:schemeClr val="lt1"/>
+          </a:fontRef>
+        </p:style>
+        <p:txBody>
+          <a:bodyPr lIns="36000" tIns="0" rIns="36000" bIns="0" rtlCol="0" anchor="ctr"/>
+          <a:lstStyle/>
+          <a:p>
+            <a:pPr algn="ctr"/>
+            <a:r>
+              <a:rPr lang="en-IE" sz="1200" b="1" dirty="0">
+                <a:solidFill>
+                  <a:schemeClr val="tx1"/>
+                </a:solidFill>
+              </a:rPr>
+              <a:t>Delete input file</a:t>
+            </a:r>
+          </a:p>
+        </p:txBody>
+      </p:sp>
+      <p:cxnSp>
+        <p:nvCxnSpPr>
+          <p:cNvPr id="52" name="Straight Arrow Connector 51">
+            <a:extLst>
+              <a:ext uri="{FF2B5EF4-FFF2-40B4-BE49-F238E27FC236}">
+                <a16:creationId xmlns:a16="http://schemas.microsoft.com/office/drawing/2014/main" id="{066635A2-D713-4BFA-9E13-F55090B90D90}"/>
+              </a:ext>
+            </a:extLst>
+          </p:cNvPr>
+          <p:cNvCxnSpPr>
+            <a:cxnSpLocks/>
+            <a:endCxn id="51" idx="1"/>
+          </p:cNvCxnSpPr>
+          <p:nvPr/>
+        </p:nvCxnSpPr>
+        <p:spPr>
+          <a:xfrm>
+            <a:off x="4820774" y="3799005"/>
+            <a:ext cx="435302" cy="0"/>
+          </a:xfrm>
+          <a:prstGeom prst="straightConnector1">
+            <a:avLst/>
+          </a:prstGeom>
+          <a:ln>
+            <a:solidFill>
+              <a:schemeClr val="tx1"/>
+            </a:solidFill>
+            <a:tailEnd type="triangle"/>
+          </a:ln>
+        </p:spPr>
+        <p:style>
+          <a:lnRef idx="1">
+            <a:schemeClr val="accent1"/>
+          </a:lnRef>
+          <a:fillRef idx="0">
+            <a:schemeClr val="accent1"/>
+          </a:fillRef>
+          <a:effectRef idx="0">
+            <a:schemeClr val="accent1"/>
+          </a:effectRef>
+          <a:fontRef idx="minor">
+            <a:schemeClr val="tx1"/>
+          </a:fontRef>
+        </p:style>
+      </p:cxnSp>
+      <p:sp>
+        <p:nvSpPr>
+          <p:cNvPr id="54" name="TextBox 53">
+            <a:extLst>
+              <a:ext uri="{FF2B5EF4-FFF2-40B4-BE49-F238E27FC236}">
+                <a16:creationId xmlns:a16="http://schemas.microsoft.com/office/drawing/2014/main" id="{3D2CCA86-6A7A-4F70-BE59-34A66E4AFF6D}"/>
+              </a:ext>
+            </a:extLst>
+          </p:cNvPr>
+          <p:cNvSpPr txBox="1"/>
+          <p:nvPr/>
+        </p:nvSpPr>
+        <p:spPr>
+          <a:xfrm>
+            <a:off x="3171078" y="5157192"/>
+            <a:ext cx="5904656" cy="723275"/>
+          </a:xfrm>
+          <a:prstGeom prst="rect">
+            <a:avLst/>
+          </a:prstGeom>
+          <a:noFill/>
         </p:spPr>
         <p:txBody>
           <a:bodyPr wrap="square" rtlCol="0">
@@ -5982,66 +6853,43 @@
           </a:bodyPr>
           <a:lstStyle/>
           <a:p>
-            <a:r>
-              <a:rPr lang="en-IE" sz="900">
-                <a:hlinkClick r:id="rId2" tooltip="https://bvg8science.wikispaces.com/practise+test+Jing..."/>
-              </a:rPr>
-              <a:t>This Photo</a:t>
-            </a:r>
-            <a:r>
-              <a:rPr lang="en-IE" sz="900"/>
-              <a:t> by Unknown Author is licensed under </a:t>
-            </a:r>
-            <a:r>
-              <a:rPr lang="en-IE" sz="900">
-                <a:hlinkClick r:id="rId3" tooltip="https://creativecommons.org/licenses/by-sa/3.0/"/>
-              </a:rPr>
-              <a:t>CC BY-SA</a:t>
-            </a:r>
-            <a:endParaRPr lang="en-IE" sz="900"/>
-          </a:p>
-        </p:txBody>
-      </p:sp>
-      <p:pic>
-        <p:nvPicPr>
-          <p:cNvPr id="3" name="Picture 2">
-            <a:extLst>
-              <a:ext uri="{FF2B5EF4-FFF2-40B4-BE49-F238E27FC236}">
-                <a16:creationId xmlns:a16="http://schemas.microsoft.com/office/drawing/2014/main" id="{66C308EF-BFDA-4726-A506-D9B63433C887}"/>
-              </a:ext>
-            </a:extLst>
-          </p:cNvPr>
-          <p:cNvPicPr>
-            <a:picLocks noChangeAspect="1"/>
-          </p:cNvPicPr>
-          <p:nvPr/>
-        </p:nvPicPr>
-        <p:blipFill>
-          <a:blip r:embed="rId4">
-            <a:extLst>
-              <a:ext uri="{28A0092B-C50C-407E-A947-70E740481C1C}">
-                <a14:useLocalDpi xmlns:a14="http://schemas.microsoft.com/office/drawing/2010/main" val="0"/>
-              </a:ext>
-            </a:extLst>
-          </a:blip>
-          <a:stretch>
-            <a:fillRect/>
-          </a:stretch>
-        </p:blipFill>
-        <p:spPr>
-          <a:xfrm>
-            <a:off x="989856" y="1196752"/>
-            <a:ext cx="7164288" cy="1917940"/>
-          </a:xfrm>
-          <a:prstGeom prst="rect">
-            <a:avLst/>
-          </a:prstGeom>
-        </p:spPr>
-      </p:pic>
+            <a:pPr marL="285750" indent="-285750">
+              <a:spcAft>
+                <a:spcPts val="600"/>
+              </a:spcAft>
+              <a:buClr>
+                <a:srgbClr val="FF0000"/>
+              </a:buClr>
+              <a:buFont typeface="Wingdings" panose="05000000000000000000" pitchFamily="2" charset="2"/>
+              <a:buChar char="û"/>
+            </a:pPr>
+            <a:r>
+              <a:rPr lang="en-IE" b="1" dirty="0"/>
+              <a:t>Limiting file type</a:t>
+            </a:r>
+          </a:p>
+          <a:p>
+            <a:pPr marL="285750" indent="-285750">
+              <a:spcAft>
+                <a:spcPts val="600"/>
+              </a:spcAft>
+              <a:buClr>
+                <a:srgbClr val="FF0000"/>
+              </a:buClr>
+              <a:buFont typeface="Wingdings" panose="05000000000000000000" pitchFamily="2" charset="2"/>
+              <a:buChar char="û"/>
+            </a:pPr>
+            <a:r>
+              <a:rPr lang="en-IE" b="1" dirty="0"/>
+              <a:t>Exceptions</a:t>
+            </a:r>
+          </a:p>
+        </p:txBody>
+      </p:sp>
     </p:spTree>
     <p:extLst>
       <p:ext uri="{BB962C8B-B14F-4D97-AF65-F5344CB8AC3E}">
-        <p14:creationId xmlns:p14="http://schemas.microsoft.com/office/powerpoint/2010/main" val="1936481045"/>
+        <p14:creationId xmlns:p14="http://schemas.microsoft.com/office/powerpoint/2010/main" val="941447135"/>
       </p:ext>
     </p:extLst>
   </p:cSld>
